--- a/Projeto 1/Entrega03.pptx
+++ b/Projeto 1/Entrega03.pptx
@@ -5,18 +5,16 @@
     <p:sldMasterId id="2147483672" r:id="rId1"/>
   </p:sldMasterIdLst>
   <p:notesMasterIdLst>
-    <p:notesMasterId r:id="rId11"/>
+    <p:notesMasterId r:id="rId9"/>
   </p:notesMasterIdLst>
   <p:sldIdLst>
     <p:sldId id="256" r:id="rId2"/>
     <p:sldId id="257" r:id="rId3"/>
-    <p:sldId id="261" r:id="rId4"/>
-    <p:sldId id="262" r:id="rId5"/>
+    <p:sldId id="262" r:id="rId4"/>
+    <p:sldId id="261" r:id="rId5"/>
     <p:sldId id="263" r:id="rId6"/>
-    <p:sldId id="268" r:id="rId7"/>
-    <p:sldId id="269" r:id="rId8"/>
-    <p:sldId id="270" r:id="rId9"/>
-    <p:sldId id="271" r:id="rId10"/>
+    <p:sldId id="272" r:id="rId7"/>
+    <p:sldId id="268" r:id="rId8"/>
   </p:sldIdLst>
   <p:sldSz cx="12192000" cy="6858000"/>
   <p:notesSz cx="6858000" cy="9144000"/>
@@ -123,6 +121,10 @@
 </p:presentation>
 </file>
 
+<file path=ppt/revisionInfo.xml><?xml version="1.0" encoding="utf-8"?>
+<p1510:revInfo xmlns:a="http://schemas.openxmlformats.org/drawingml/2006/main" xmlns:r="http://schemas.openxmlformats.org/officeDocument/2006/relationships" xmlns:p1510="http://schemas.microsoft.com/office/powerpoint/2015/10/main"/>
+</file>
+
 <file path=ppt/notesMasters/notesMaster1.xml><?xml version="1.0" encoding="utf-8"?>
 <p:notesMaster xmlns:a="http://schemas.openxmlformats.org/drawingml/2006/main" xmlns:r="http://schemas.openxmlformats.org/officeDocument/2006/relationships" xmlns:p="http://schemas.openxmlformats.org/presentationml/2006/main">
   <p:cSld>
@@ -205,7 +207,7 @@
           <a:p>
             <a:fld id="{57E6D55C-632C-4C26-90C9-29CD744DF66F}" type="datetimeFigureOut">
               <a:rPr lang="pt-BR" smtClean="0"/>
-              <a:t>30/08/2017</a:t>
+              <a:t>06/09/2017</a:t>
             </a:fld>
             <a:endParaRPr lang="pt-BR"/>
           </a:p>
@@ -472,112 +474,6 @@
 </p:notesMaster>
 </file>
 
-<file path=ppt/notesSlides/notesSlide1.xml><?xml version="1.0" encoding="utf-8"?>
-<p:notes xmlns:a="http://schemas.openxmlformats.org/drawingml/2006/main" xmlns:r="http://schemas.openxmlformats.org/officeDocument/2006/relationships" xmlns:p="http://schemas.openxmlformats.org/presentationml/2006/main" showMasterSp="0" showMasterPhAnim="0">
-  <p:cSld>
-    <p:spTree>
-      <p:nvGrpSpPr>
-        <p:cNvPr id="1" name="Shape 352"/>
-        <p:cNvGrpSpPr/>
-        <p:nvPr/>
-      </p:nvGrpSpPr>
-      <p:grpSpPr>
-        <a:xfrm>
-          <a:off x="0" y="0"/>
-          <a:ext cx="0" cy="0"/>
-          <a:chOff x="0" y="0"/>
-          <a:chExt cx="0" cy="0"/>
-        </a:xfrm>
-      </p:grpSpPr>
-      <p:sp>
-        <p:nvSpPr>
-          <p:cNvPr id="353" name="Shape 353"/>
-          <p:cNvSpPr>
-            <a:spLocks noGrp="1" noRot="1" noChangeAspect="1"/>
-          </p:cNvSpPr>
-          <p:nvPr>
-            <p:ph type="sldImg" idx="2"/>
-          </p:nvPr>
-        </p:nvSpPr>
-        <p:spPr>
-          <a:xfrm>
-            <a:off x="381000" y="685800"/>
-            <a:ext cx="6096000" cy="3429000"/>
-          </a:xfrm>
-          <a:custGeom>
-            <a:avLst/>
-            <a:gdLst/>
-            <a:ahLst/>
-            <a:cxnLst/>
-            <a:rect l="0" t="0" r="0" b="0"/>
-            <a:pathLst>
-              <a:path w="120000" h="120000" extrusionOk="0">
-                <a:moveTo>
-                  <a:pt x="0" y="0"/>
-                </a:moveTo>
-                <a:lnTo>
-                  <a:pt x="120000" y="0"/>
-                </a:lnTo>
-                <a:lnTo>
-                  <a:pt x="120000" y="120000"/>
-                </a:lnTo>
-                <a:lnTo>
-                  <a:pt x="0" y="120000"/>
-                </a:lnTo>
-                <a:close/>
-              </a:path>
-            </a:pathLst>
-          </a:custGeom>
-        </p:spPr>
-      </p:sp>
-      <p:sp>
-        <p:nvSpPr>
-          <p:cNvPr id="354" name="Shape 354"/>
-          <p:cNvSpPr txBox="1">
-            <a:spLocks noGrp="1"/>
-          </p:cNvSpPr>
-          <p:nvPr>
-            <p:ph type="body" idx="1"/>
-          </p:nvPr>
-        </p:nvSpPr>
-        <p:spPr>
-          <a:xfrm>
-            <a:off x="685800" y="4343400"/>
-            <a:ext cx="5486400" cy="4114800"/>
-          </a:xfrm>
-          <a:prstGeom prst="rect">
-            <a:avLst/>
-          </a:prstGeom>
-        </p:spPr>
-        <p:txBody>
-          <a:bodyPr lIns="91425" tIns="91425" rIns="91425" bIns="91425" anchor="t" anchorCtr="0">
-            <a:noAutofit/>
-          </a:bodyPr>
-          <a:lstStyle/>
-          <a:p>
-            <a:pPr lvl="0" rtl="0">
-              <a:spcBef>
-                <a:spcPts val="0"/>
-              </a:spcBef>
-              <a:buNone/>
-            </a:pPr>
-            <a:endParaRPr/>
-          </a:p>
-        </p:txBody>
-      </p:sp>
-    </p:spTree>
-    <p:extLst>
-      <p:ext uri="{BB962C8B-B14F-4D97-AF65-F5344CB8AC3E}">
-        <p14:creationId xmlns:p14="http://schemas.microsoft.com/office/powerpoint/2010/main" val="2840443276"/>
-      </p:ext>
-    </p:extLst>
-  </p:cSld>
-  <p:clrMapOvr>
-    <a:masterClrMapping/>
-  </p:clrMapOvr>
-</p:notes>
-</file>
-
 <file path=ppt/slideLayouts/slideLayout1.xml><?xml version="1.0" encoding="utf-8"?>
 <p:sldLayout xmlns:a="http://schemas.openxmlformats.org/drawingml/2006/main" xmlns:r="http://schemas.openxmlformats.org/officeDocument/2006/relationships" xmlns:p="http://schemas.openxmlformats.org/presentationml/2006/main" type="title" preserve="1">
   <p:cSld name="Slide de Título">
@@ -709,7 +605,7 @@
           <a:p>
             <a:fld id="{DDD670B3-E2EA-4637-9A35-A3F69C814A4D}" type="datetimeFigureOut">
               <a:rPr lang="pt-BR" smtClean="0"/>
-              <a:t>30/08/2017</a:t>
+              <a:t>06/09/2017</a:t>
             </a:fld>
             <a:endParaRPr lang="pt-BR"/>
           </a:p>
@@ -923,7 +819,7 @@
           <a:p>
             <a:fld id="{DDD670B3-E2EA-4637-9A35-A3F69C814A4D}" type="datetimeFigureOut">
               <a:rPr lang="pt-BR" smtClean="0"/>
-              <a:t>30/08/2017</a:t>
+              <a:t>06/09/2017</a:t>
             </a:fld>
             <a:endParaRPr lang="pt-BR"/>
           </a:p>
@@ -1147,7 +1043,7 @@
           <a:p>
             <a:fld id="{DDD670B3-E2EA-4637-9A35-A3F69C814A4D}" type="datetimeFigureOut">
               <a:rPr lang="pt-BR" smtClean="0"/>
-              <a:t>30/08/2017</a:t>
+              <a:t>06/09/2017</a:t>
             </a:fld>
             <a:endParaRPr lang="pt-BR"/>
           </a:p>
@@ -1361,7 +1257,7 @@
           <a:p>
             <a:fld id="{DDD670B3-E2EA-4637-9A35-A3F69C814A4D}" type="datetimeFigureOut">
               <a:rPr lang="pt-BR" smtClean="0"/>
-              <a:t>30/08/2017</a:t>
+              <a:t>06/09/2017</a:t>
             </a:fld>
             <a:endParaRPr lang="pt-BR"/>
           </a:p>
@@ -1651,7 +1547,7 @@
           <a:p>
             <a:fld id="{DDD670B3-E2EA-4637-9A35-A3F69C814A4D}" type="datetimeFigureOut">
               <a:rPr lang="pt-BR" smtClean="0"/>
-              <a:t>30/08/2017</a:t>
+              <a:t>06/09/2017</a:t>
             </a:fld>
             <a:endParaRPr lang="pt-BR"/>
           </a:p>
@@ -1927,7 +1823,7 @@
           <a:p>
             <a:fld id="{DDD670B3-E2EA-4637-9A35-A3F69C814A4D}" type="datetimeFigureOut">
               <a:rPr lang="pt-BR" smtClean="0"/>
-              <a:t>30/08/2017</a:t>
+              <a:t>06/09/2017</a:t>
             </a:fld>
             <a:endParaRPr lang="pt-BR"/>
           </a:p>
@@ -2338,7 +2234,7 @@
           <a:p>
             <a:fld id="{DDD670B3-E2EA-4637-9A35-A3F69C814A4D}" type="datetimeFigureOut">
               <a:rPr lang="pt-BR" smtClean="0"/>
-              <a:t>30/08/2017</a:t>
+              <a:t>06/09/2017</a:t>
             </a:fld>
             <a:endParaRPr lang="pt-BR"/>
           </a:p>
@@ -2500,7 +2396,7 @@
           <a:p>
             <a:fld id="{DDD670B3-E2EA-4637-9A35-A3F69C814A4D}" type="datetimeFigureOut">
               <a:rPr lang="pt-BR" smtClean="0"/>
-              <a:t>30/08/2017</a:t>
+              <a:t>06/09/2017</a:t>
             </a:fld>
             <a:endParaRPr lang="pt-BR"/>
           </a:p>
@@ -2639,7 +2535,7 @@
           <a:p>
             <a:fld id="{DDD670B3-E2EA-4637-9A35-A3F69C814A4D}" type="datetimeFigureOut">
               <a:rPr lang="pt-BR" smtClean="0"/>
-              <a:t>30/08/2017</a:t>
+              <a:t>06/09/2017</a:t>
             </a:fld>
             <a:endParaRPr lang="pt-BR"/>
           </a:p>
@@ -2960,7 +2856,7 @@
           <a:p>
             <a:fld id="{DDD670B3-E2EA-4637-9A35-A3F69C814A4D}" type="datetimeFigureOut">
               <a:rPr lang="pt-BR" smtClean="0"/>
-              <a:t>30/08/2017</a:t>
+              <a:t>06/09/2017</a:t>
             </a:fld>
             <a:endParaRPr lang="pt-BR"/>
           </a:p>
@@ -3261,7 +3157,7 @@
           <a:p>
             <a:fld id="{DDD670B3-E2EA-4637-9A35-A3F69C814A4D}" type="datetimeFigureOut">
               <a:rPr lang="pt-BR" smtClean="0"/>
-              <a:t>30/08/2017</a:t>
+              <a:t>06/09/2017</a:t>
             </a:fld>
             <a:endParaRPr lang="pt-BR"/>
           </a:p>
@@ -3518,7 +3414,7 @@
           <a:p>
             <a:fld id="{DDD670B3-E2EA-4637-9A35-A3F69C814A4D}" type="datetimeFigureOut">
               <a:rPr lang="pt-BR" smtClean="0"/>
-              <a:t>30/08/2017</a:t>
+              <a:t>06/09/2017</a:t>
             </a:fld>
             <a:endParaRPr lang="pt-BR"/>
           </a:p>
@@ -4119,85 +4015,51 @@
             </a:r>
             <a:r>
               <a:rPr lang="pt-BR" sz="2800" dirty="0"/>
-              <a:t> da página principal</a:t>
-            </a:r>
-          </a:p>
-        </p:txBody>
-      </p:sp>
-      <p:sp>
-        <p:nvSpPr>
-          <p:cNvPr id="4" name="Espaço Reservado para Conteúdo 3"/>
-          <p:cNvSpPr>
-            <a:spLocks noGrp="1"/>
-          </p:cNvSpPr>
-          <p:nvPr>
-            <p:ph idx="1"/>
-          </p:nvPr>
-        </p:nvSpPr>
-        <p:spPr/>
-        <p:txBody>
-          <a:bodyPr/>
-          <a:lstStyle/>
-          <a:p>
-            <a:endParaRPr lang="pt-BR"/>
-          </a:p>
-        </p:txBody>
-      </p:sp>
-      <p:sp>
-        <p:nvSpPr>
-          <p:cNvPr id="5" name="Retângulo: Cantos Arredondados 4"/>
-          <p:cNvSpPr/>
+              <a:t> da página de projeto</a:t>
+            </a:r>
+          </a:p>
+        </p:txBody>
+      </p:sp>
+      <p:pic>
+        <p:nvPicPr>
+          <p:cNvPr id="10" name="Imagem 9">
+            <a:extLst>
+              <a:ext uri="{FF2B5EF4-FFF2-40B4-BE49-F238E27FC236}">
+                <a16:creationId xmlns:a16="http://schemas.microsoft.com/office/drawing/2014/main" id="{B90CCBCD-64D1-47B2-B9AF-A7495F7DCCD7}"/>
+              </a:ext>
+            </a:extLst>
+          </p:cNvPr>
+          <p:cNvPicPr>
+            <a:picLocks noChangeAspect="1"/>
+          </p:cNvPicPr>
           <p:nvPr/>
-        </p:nvSpPr>
+        </p:nvPicPr>
+        <p:blipFill>
+          <a:blip r:embed="rId2">
+            <a:extLst>
+              <a:ext uri="{28A0092B-C50C-407E-A947-70E740481C1C}">
+                <a14:useLocalDpi xmlns:a14="http://schemas.microsoft.com/office/drawing/2010/main" val="0"/>
+              </a:ext>
+            </a:extLst>
+          </a:blip>
+          <a:stretch>
+            <a:fillRect/>
+          </a:stretch>
+        </p:blipFill>
         <p:spPr>
           <a:xfrm>
-            <a:off x="469900" y="939800"/>
-            <a:ext cx="11252200" cy="5384800"/>
+            <a:off x="0" y="4762"/>
+            <a:ext cx="12192000" cy="6848475"/>
           </a:xfrm>
-          <a:prstGeom prst="roundRect">
+          <a:prstGeom prst="rect">
             <a:avLst/>
           </a:prstGeom>
         </p:spPr>
-        <p:style>
-          <a:lnRef idx="2">
-            <a:schemeClr val="accent1">
-              <a:shade val="50000"/>
-            </a:schemeClr>
-          </a:lnRef>
-          <a:fillRef idx="1">
-            <a:schemeClr val="accent1"/>
-          </a:fillRef>
-          <a:effectRef idx="0">
-            <a:schemeClr val="accent1"/>
-          </a:effectRef>
-          <a:fontRef idx="minor">
-            <a:schemeClr val="lt1"/>
-          </a:fontRef>
-        </p:style>
-        <p:txBody>
-          <a:bodyPr rtlCol="0" anchor="ctr"/>
-          <a:lstStyle/>
-          <a:p>
-            <a:pPr algn="ctr"/>
-            <a:r>
-              <a:rPr lang="pt-BR" sz="3600" dirty="0"/>
-              <a:t>Coloque seu </a:t>
-            </a:r>
-            <a:r>
-              <a:rPr lang="pt-BR" sz="3600" dirty="0" err="1"/>
-              <a:t>mockup</a:t>
-            </a:r>
-            <a:r>
-              <a:rPr lang="pt-BR" sz="3600" dirty="0"/>
-              <a:t> AQUI!</a:t>
-            </a:r>
-          </a:p>
-        </p:txBody>
-      </p:sp>
+      </p:pic>
     </p:spTree>
     <p:extLst>
       <p:ext uri="{BB962C8B-B14F-4D97-AF65-F5344CB8AC3E}">
-        <p14:creationId xmlns:p14="http://schemas.microsoft.com/office/powerpoint/2010/main" val="239281794"/>
+        <p14:creationId xmlns:p14="http://schemas.microsoft.com/office/powerpoint/2010/main" val="3973857736"/>
       </p:ext>
     </p:extLst>
   </p:cSld>
@@ -4252,85 +4114,51 @@
             </a:r>
             <a:r>
               <a:rPr lang="pt-BR" sz="2800" dirty="0"/>
-              <a:t> da página de projeto</a:t>
-            </a:r>
-          </a:p>
-        </p:txBody>
-      </p:sp>
-      <p:sp>
-        <p:nvSpPr>
-          <p:cNvPr id="4" name="Espaço Reservado para Conteúdo 3"/>
-          <p:cNvSpPr>
-            <a:spLocks noGrp="1"/>
-          </p:cNvSpPr>
-          <p:nvPr>
-            <p:ph idx="1"/>
-          </p:nvPr>
-        </p:nvSpPr>
-        <p:spPr/>
-        <p:txBody>
-          <a:bodyPr/>
-          <a:lstStyle/>
-          <a:p>
-            <a:endParaRPr lang="pt-BR"/>
-          </a:p>
-        </p:txBody>
-      </p:sp>
-      <p:sp>
-        <p:nvSpPr>
-          <p:cNvPr id="5" name="Retângulo: Cantos Arredondados 4"/>
-          <p:cNvSpPr/>
+              <a:t> da página principal</a:t>
+            </a:r>
+          </a:p>
+        </p:txBody>
+      </p:sp>
+      <p:pic>
+        <p:nvPicPr>
+          <p:cNvPr id="6" name="Imagem 5">
+            <a:extLst>
+              <a:ext uri="{FF2B5EF4-FFF2-40B4-BE49-F238E27FC236}">
+                <a16:creationId xmlns:a16="http://schemas.microsoft.com/office/drawing/2014/main" id="{6C390CEE-7027-4BC1-8D18-7DCACCEEA173}"/>
+              </a:ext>
+            </a:extLst>
+          </p:cNvPr>
+          <p:cNvPicPr>
+            <a:picLocks noChangeAspect="1"/>
+          </p:cNvPicPr>
           <p:nvPr/>
-        </p:nvSpPr>
+        </p:nvPicPr>
+        <p:blipFill>
+          <a:blip r:embed="rId2">
+            <a:extLst>
+              <a:ext uri="{28A0092B-C50C-407E-A947-70E740481C1C}">
+                <a14:useLocalDpi xmlns:a14="http://schemas.microsoft.com/office/drawing/2010/main" val="0"/>
+              </a:ext>
+            </a:extLst>
+          </a:blip>
+          <a:stretch>
+            <a:fillRect/>
+          </a:stretch>
+        </p:blipFill>
         <p:spPr>
           <a:xfrm>
-            <a:off x="469900" y="939800"/>
-            <a:ext cx="11252200" cy="5384800"/>
+            <a:off x="0" y="4762"/>
+            <a:ext cx="12192000" cy="6848475"/>
           </a:xfrm>
-          <a:prstGeom prst="roundRect">
+          <a:prstGeom prst="rect">
             <a:avLst/>
           </a:prstGeom>
         </p:spPr>
-        <p:style>
-          <a:lnRef idx="2">
-            <a:schemeClr val="accent1">
-              <a:shade val="50000"/>
-            </a:schemeClr>
-          </a:lnRef>
-          <a:fillRef idx="1">
-            <a:schemeClr val="accent1"/>
-          </a:fillRef>
-          <a:effectRef idx="0">
-            <a:schemeClr val="accent1"/>
-          </a:effectRef>
-          <a:fontRef idx="minor">
-            <a:schemeClr val="lt1"/>
-          </a:fontRef>
-        </p:style>
-        <p:txBody>
-          <a:bodyPr rtlCol="0" anchor="ctr"/>
-          <a:lstStyle/>
-          <a:p>
-            <a:pPr algn="ctr"/>
-            <a:r>
-              <a:rPr lang="pt-BR" sz="3600" dirty="0"/>
-              <a:t>Coloque seu </a:t>
-            </a:r>
-            <a:r>
-              <a:rPr lang="pt-BR" sz="3600" dirty="0" err="1"/>
-              <a:t>mockup</a:t>
-            </a:r>
-            <a:r>
-              <a:rPr lang="pt-BR" sz="3600" dirty="0"/>
-              <a:t> AQUI!</a:t>
-            </a:r>
-          </a:p>
-        </p:txBody>
-      </p:sp>
+      </p:pic>
     </p:spTree>
     <p:extLst>
       <p:ext uri="{BB962C8B-B14F-4D97-AF65-F5344CB8AC3E}">
-        <p14:creationId xmlns:p14="http://schemas.microsoft.com/office/powerpoint/2010/main" val="3973857736"/>
+        <p14:creationId xmlns:p14="http://schemas.microsoft.com/office/powerpoint/2010/main" val="239281794"/>
       </p:ext>
     </p:extLst>
   </p:cSld>
@@ -4390,76 +4218,42 @@
           </a:p>
         </p:txBody>
       </p:sp>
-      <p:sp>
-        <p:nvSpPr>
-          <p:cNvPr id="4" name="Espaço Reservado para Conteúdo 3"/>
-          <p:cNvSpPr>
-            <a:spLocks noGrp="1"/>
-          </p:cNvSpPr>
-          <p:nvPr>
-            <p:ph idx="1"/>
-          </p:nvPr>
-        </p:nvSpPr>
-        <p:spPr/>
-        <p:txBody>
-          <a:bodyPr/>
-          <a:lstStyle/>
-          <a:p>
-            <a:endParaRPr lang="pt-BR"/>
-          </a:p>
-        </p:txBody>
-      </p:sp>
-      <p:sp>
-        <p:nvSpPr>
-          <p:cNvPr id="5" name="Retângulo: Cantos Arredondados 4"/>
-          <p:cNvSpPr/>
+      <p:pic>
+        <p:nvPicPr>
+          <p:cNvPr id="6" name="Imagem 5">
+            <a:extLst>
+              <a:ext uri="{FF2B5EF4-FFF2-40B4-BE49-F238E27FC236}">
+                <a16:creationId xmlns:a16="http://schemas.microsoft.com/office/drawing/2014/main" id="{E0B18565-B2B1-4DB2-A220-D66775E13024}"/>
+              </a:ext>
+            </a:extLst>
+          </p:cNvPr>
+          <p:cNvPicPr>
+            <a:picLocks noChangeAspect="1"/>
+          </p:cNvPicPr>
           <p:nvPr/>
-        </p:nvSpPr>
+        </p:nvPicPr>
+        <p:blipFill>
+          <a:blip r:embed="rId2">
+            <a:extLst>
+              <a:ext uri="{28A0092B-C50C-407E-A947-70E740481C1C}">
+                <a14:useLocalDpi xmlns:a14="http://schemas.microsoft.com/office/drawing/2010/main" val="0"/>
+              </a:ext>
+            </a:extLst>
+          </a:blip>
+          <a:stretch>
+            <a:fillRect/>
+          </a:stretch>
+        </p:blipFill>
         <p:spPr>
           <a:xfrm>
-            <a:off x="469900" y="939800"/>
-            <a:ext cx="11252200" cy="5384800"/>
+            <a:off x="5177558" y="225372"/>
+            <a:ext cx="5512437" cy="6316848"/>
           </a:xfrm>
-          <a:prstGeom prst="roundRect">
+          <a:prstGeom prst="rect">
             <a:avLst/>
           </a:prstGeom>
         </p:spPr>
-        <p:style>
-          <a:lnRef idx="2">
-            <a:schemeClr val="accent1">
-              <a:shade val="50000"/>
-            </a:schemeClr>
-          </a:lnRef>
-          <a:fillRef idx="1">
-            <a:schemeClr val="accent1"/>
-          </a:fillRef>
-          <a:effectRef idx="0">
-            <a:schemeClr val="accent1"/>
-          </a:effectRef>
-          <a:fontRef idx="minor">
-            <a:schemeClr val="lt1"/>
-          </a:fontRef>
-        </p:style>
-        <p:txBody>
-          <a:bodyPr rtlCol="0" anchor="ctr"/>
-          <a:lstStyle/>
-          <a:p>
-            <a:pPr algn="ctr"/>
-            <a:r>
-              <a:rPr lang="pt-BR" sz="3600" dirty="0"/>
-              <a:t>Coloque seu </a:t>
-            </a:r>
-            <a:r>
-              <a:rPr lang="pt-BR" sz="3600" dirty="0" err="1"/>
-              <a:t>mockup</a:t>
-            </a:r>
-            <a:r>
-              <a:rPr lang="pt-BR" sz="3600" dirty="0"/>
-              <a:t> AQUI!</a:t>
-            </a:r>
-          </a:p>
-        </p:txBody>
-      </p:sp>
+      </p:pic>
     </p:spTree>
     <p:extLst>
       <p:ext uri="{BB962C8B-B14F-4D97-AF65-F5344CB8AC3E}">
@@ -4490,63 +4284,84 @@
           <a:chExt cx="0" cy="0"/>
         </a:xfrm>
       </p:grpSpPr>
-      <p:sp>
-        <p:nvSpPr>
-          <p:cNvPr id="2" name="Título 1"/>
-          <p:cNvSpPr>
-            <a:spLocks noGrp="1"/>
-          </p:cNvSpPr>
-          <p:nvPr>
-            <p:ph type="title"/>
-          </p:nvPr>
-        </p:nvSpPr>
+      <p:pic>
+        <p:nvPicPr>
+          <p:cNvPr id="3" name="Imagem 2">
+            <a:extLst>
+              <a:ext uri="{FF2B5EF4-FFF2-40B4-BE49-F238E27FC236}">
+                <a16:creationId xmlns:a16="http://schemas.microsoft.com/office/drawing/2014/main" id="{5F345B91-00F6-4663-8337-6C70D78E0D08}"/>
+              </a:ext>
+            </a:extLst>
+          </p:cNvPr>
+          <p:cNvPicPr>
+            <a:picLocks noChangeAspect="1"/>
+          </p:cNvPicPr>
+          <p:nvPr/>
+        </p:nvPicPr>
+        <p:blipFill>
+          <a:blip r:embed="rId2">
+            <a:extLst>
+              <a:ext uri="{28A0092B-C50C-407E-A947-70E740481C1C}">
+                <a14:useLocalDpi xmlns:a14="http://schemas.microsoft.com/office/drawing/2010/main" val="0"/>
+              </a:ext>
+            </a:extLst>
+          </a:blip>
+          <a:stretch>
+            <a:fillRect/>
+          </a:stretch>
+        </p:blipFill>
         <p:spPr>
           <a:xfrm>
-            <a:off x="266700" y="-104775"/>
-            <a:ext cx="10515600" cy="1325563"/>
+            <a:off x="4431397" y="367645"/>
+            <a:ext cx="6238189" cy="5736210"/>
           </a:xfrm>
+          <a:prstGeom prst="rect">
+            <a:avLst/>
+          </a:prstGeom>
         </p:spPr>
-        <p:txBody>
-          <a:bodyPr>
-            <a:normAutofit/>
-          </a:bodyPr>
-          <a:lstStyle/>
-          <a:p>
-            <a:r>
-              <a:rPr lang="pt-BR" sz="2800" dirty="0"/>
-              <a:t>Referências de cores e tipografia</a:t>
-            </a:r>
-          </a:p>
-        </p:txBody>
-      </p:sp>
-      <p:sp>
-        <p:nvSpPr>
-          <p:cNvPr id="4" name="Espaço Reservado para Conteúdo 3"/>
-          <p:cNvSpPr>
-            <a:spLocks noGrp="1"/>
-          </p:cNvSpPr>
-          <p:nvPr>
-            <p:ph idx="1"/>
-          </p:nvPr>
+      </p:pic>
+      <p:sp>
+        <p:nvSpPr>
+          <p:cNvPr id="4" name="Retângulo 3">
+            <a:extLst>
+              <a:ext uri="{FF2B5EF4-FFF2-40B4-BE49-F238E27FC236}">
+                <a16:creationId xmlns:a16="http://schemas.microsoft.com/office/drawing/2014/main" id="{4E5EDB30-CEED-4238-908A-1A5C128DFB42}"/>
+              </a:ext>
+            </a:extLst>
+          </p:cNvPr>
+          <p:cNvSpPr/>
+          <p:nvPr/>
         </p:nvSpPr>
         <p:spPr>
           <a:xfrm>
-            <a:off x="379141" y="992459"/>
-            <a:ext cx="11385396" cy="5184504"/>
+            <a:off x="206322" y="435147"/>
+            <a:ext cx="3029484" cy="369332"/>
           </a:xfrm>
+          <a:prstGeom prst="rect">
+            <a:avLst/>
+          </a:prstGeom>
         </p:spPr>
         <p:txBody>
-          <a:bodyPr/>
-          <a:lstStyle/>
-          <a:p>
-            <a:endParaRPr lang="pt-BR" dirty="0"/>
+          <a:bodyPr wrap="none">
+            <a:spAutoFit/>
+          </a:bodyPr>
+          <a:lstStyle/>
+          <a:p>
+            <a:r>
+              <a:rPr lang="pt-BR" dirty="0" err="1"/>
+              <a:t>Mockup</a:t>
+            </a:r>
+            <a:r>
+              <a:rPr lang="pt-BR" dirty="0"/>
+              <a:t> da página de projetos</a:t>
+            </a:r>
           </a:p>
         </p:txBody>
       </p:sp>
     </p:spTree>
     <p:extLst>
       <p:ext uri="{BB962C8B-B14F-4D97-AF65-F5344CB8AC3E}">
-        <p14:creationId xmlns:p14="http://schemas.microsoft.com/office/powerpoint/2010/main" val="1519267962"/>
+        <p14:creationId xmlns:p14="http://schemas.microsoft.com/office/powerpoint/2010/main" val="3455843631"/>
       </p:ext>
     </p:extLst>
   </p:cSld>
@@ -4583,1405 +4398,87 @@
             <p:ph type="title"/>
           </p:nvPr>
         </p:nvSpPr>
-        <p:spPr/>
-        <p:txBody>
-          <a:bodyPr/>
-          <a:lstStyle/>
-          <a:p>
-            <a:endParaRPr lang="pt-BR"/>
-          </a:p>
-        </p:txBody>
-      </p:sp>
-      <p:pic>
-        <p:nvPicPr>
-          <p:cNvPr id="4" name="Shape 374"/>
-          <p:cNvPicPr preferRelativeResize="0"/>
-          <p:nvPr/>
-        </p:nvPicPr>
-        <p:blipFill>
-          <a:blip r:embed="rId2">
-            <a:alphaModFix/>
-          </a:blip>
-          <a:stretch>
-            <a:fillRect/>
-          </a:stretch>
-        </p:blipFill>
         <p:spPr>
           <a:xfrm>
-            <a:off x="1763398" y="365124"/>
-            <a:ext cx="8796805" cy="6214095"/>
+            <a:off x="266700" y="-104775"/>
+            <a:ext cx="10515600" cy="1325563"/>
           </a:xfrm>
-          <a:prstGeom prst="rect">
-            <a:avLst/>
-          </a:prstGeom>
-          <a:noFill/>
-          <a:ln>
-            <a:noFill/>
-          </a:ln>
         </p:spPr>
-      </p:pic>
+        <p:txBody>
+          <a:bodyPr>
+            <a:normAutofit/>
+          </a:bodyPr>
+          <a:lstStyle/>
+          <a:p>
+            <a:r>
+              <a:rPr lang="pt-BR" sz="2800" dirty="0"/>
+              <a:t>Referências de cores e tipografia</a:t>
+            </a:r>
+          </a:p>
+        </p:txBody>
+      </p:sp>
+      <p:sp>
+        <p:nvSpPr>
+          <p:cNvPr id="4" name="Espaço Reservado para Conteúdo 3"/>
+          <p:cNvSpPr>
+            <a:spLocks noGrp="1"/>
+          </p:cNvSpPr>
+          <p:nvPr>
+            <p:ph idx="1"/>
+          </p:nvPr>
+        </p:nvSpPr>
+        <p:spPr>
+          <a:xfrm>
+            <a:off x="379141" y="992459"/>
+            <a:ext cx="11385396" cy="5184504"/>
+          </a:xfrm>
+        </p:spPr>
+        <p:txBody>
+          <a:bodyPr/>
+          <a:lstStyle/>
+          <a:p>
+            <a:r>
+              <a:rPr lang="pt-BR" dirty="0"/>
+              <a:t>Fontes : </a:t>
+            </a:r>
+            <a:r>
+              <a:rPr lang="pt-BR" dirty="0" err="1"/>
+              <a:t>google</a:t>
+            </a:r>
+            <a:endParaRPr lang="pt-BR" dirty="0"/>
+          </a:p>
+          <a:p>
+            <a:r>
+              <a:rPr lang="pt-BR" dirty="0"/>
+              <a:t>Cores: </a:t>
+            </a:r>
+            <a:r>
+              <a:rPr lang="pt-BR" dirty="0" err="1"/>
+              <a:t>apple</a:t>
+            </a:r>
+            <a:endParaRPr lang="pt-BR" dirty="0"/>
+          </a:p>
+          <a:p>
+            <a:endParaRPr lang="pt-BR" dirty="0"/>
+          </a:p>
+          <a:p>
+            <a:r>
+              <a:rPr lang="pt-BR" dirty="0"/>
+              <a:t>Referencias: http://designculture.com.br/20-sites-modernos-para-inspirar</a:t>
+            </a:r>
+          </a:p>
+          <a:p>
+            <a:r>
+              <a:rPr lang="pt-BR" dirty="0"/>
+              <a:t>http://www.webmaster.pt/templates-html5-gratis-2-20574.html</a:t>
+            </a:r>
+          </a:p>
+        </p:txBody>
+      </p:sp>
     </p:spTree>
     <p:extLst>
       <p:ext uri="{BB962C8B-B14F-4D97-AF65-F5344CB8AC3E}">
-        <p14:creationId xmlns:p14="http://schemas.microsoft.com/office/powerpoint/2010/main" val="1144521448"/>
-      </p:ext>
-    </p:extLst>
-  </p:cSld>
-  <p:clrMapOvr>
-    <a:masterClrMapping/>
-  </p:clrMapOvr>
-</p:sld>
-</file>
-
-<file path=ppt/slides/slide8.xml><?xml version="1.0" encoding="utf-8"?>
-<p:sld xmlns:a="http://schemas.openxmlformats.org/drawingml/2006/main" xmlns:r="http://schemas.openxmlformats.org/officeDocument/2006/relationships" xmlns:p="http://schemas.openxmlformats.org/presentationml/2006/main">
-  <p:cSld>
-    <p:spTree>
-      <p:nvGrpSpPr>
-        <p:cNvPr id="1" name=""/>
-        <p:cNvGrpSpPr/>
-        <p:nvPr/>
-      </p:nvGrpSpPr>
-      <p:grpSpPr>
-        <a:xfrm>
-          <a:off x="0" y="0"/>
-          <a:ext cx="0" cy="0"/>
-          <a:chOff x="0" y="0"/>
-          <a:chExt cx="0" cy="0"/>
-        </a:xfrm>
-      </p:grpSpPr>
-      <p:sp>
-        <p:nvSpPr>
-          <p:cNvPr id="2" name="Título 1"/>
-          <p:cNvSpPr>
-            <a:spLocks noGrp="1"/>
-          </p:cNvSpPr>
-          <p:nvPr>
-            <p:ph type="title"/>
-          </p:nvPr>
-        </p:nvSpPr>
-        <p:spPr>
-          <a:xfrm>
-            <a:off x="314093" y="-147827"/>
-            <a:ext cx="10515600" cy="1325563"/>
-          </a:xfrm>
-        </p:spPr>
-        <p:txBody>
-          <a:bodyPr/>
-          <a:lstStyle/>
-          <a:p>
-            <a:r>
-              <a:rPr lang="pt-BR" dirty="0"/>
-              <a:t>Referências</a:t>
-            </a:r>
-          </a:p>
-        </p:txBody>
-      </p:sp>
-      <p:sp>
-        <p:nvSpPr>
-          <p:cNvPr id="3" name="Espaço Reservado para Conteúdo 2"/>
-          <p:cNvSpPr>
-            <a:spLocks noGrp="1"/>
-          </p:cNvSpPr>
-          <p:nvPr>
-            <p:ph idx="1"/>
-          </p:nvPr>
-        </p:nvSpPr>
-        <p:spPr>
-          <a:xfrm>
-            <a:off x="838200" y="858644"/>
-            <a:ext cx="10515600" cy="5820936"/>
-          </a:xfrm>
-        </p:spPr>
-        <p:txBody>
-          <a:bodyPr>
-            <a:normAutofit fontScale="62500" lnSpcReduction="20000"/>
-          </a:bodyPr>
-          <a:lstStyle/>
-          <a:p>
-            <a:r>
-              <a:rPr lang="pt-BR" b="1" dirty="0"/>
-              <a:t>Fonte </a:t>
-            </a:r>
-            <a:r>
-              <a:rPr lang="pt-BR" b="1" dirty="0" err="1"/>
-              <a:t>Fjalla</a:t>
-            </a:r>
-            <a:r>
-              <a:rPr lang="pt-BR" b="1" dirty="0"/>
-              <a:t> </a:t>
-            </a:r>
-            <a:r>
-              <a:rPr lang="pt-BR" b="1" dirty="0" err="1"/>
-              <a:t>One</a:t>
-            </a:r>
-            <a:r>
-              <a:rPr lang="pt-BR" b="1" dirty="0"/>
-              <a:t> do cabeçalho e rodapé</a:t>
-            </a:r>
-          </a:p>
-          <a:p>
-            <a:pPr lvl="1"/>
-            <a:r>
-              <a:rPr lang="pt-BR" dirty="0"/>
-              <a:t>Referências que utilizam o mesmo padrão:</a:t>
-            </a:r>
-            <a:br>
-              <a:rPr lang="pt-BR" dirty="0"/>
-            </a:br>
-            <a:r>
-              <a:rPr lang="pt-BR" dirty="0">
-                <a:hlinkClick r:id="rId2"/>
-              </a:rPr>
-              <a:t>http://www.site-ficticio-a.com/pagina-ficticia-1</a:t>
-            </a:r>
-            <a:br>
-              <a:rPr lang="pt-BR" dirty="0"/>
-            </a:br>
-            <a:r>
-              <a:rPr lang="pt-BR" dirty="0">
-                <a:hlinkClick r:id="rId3"/>
-              </a:rPr>
-              <a:t>http://www.site-ficticio-b.com/pagina-ficticia-2</a:t>
-            </a:r>
-            <a:br>
-              <a:rPr lang="pt-BR" dirty="0"/>
-            </a:br>
-            <a:endParaRPr lang="pt-BR" dirty="0"/>
-          </a:p>
-          <a:p>
-            <a:pPr lvl="1"/>
-            <a:r>
-              <a:rPr lang="pt-BR" dirty="0"/>
-              <a:t>Referência que justifica o padrão:</a:t>
-            </a:r>
-            <a:br>
-              <a:rPr lang="pt-BR" dirty="0"/>
-            </a:br>
-            <a:r>
-              <a:rPr lang="pt-BR" dirty="0">
-                <a:hlinkClick r:id="rId4"/>
-              </a:rPr>
-              <a:t>http://www.site-ficticio-e.com/pagina-ficticia-5</a:t>
-            </a:r>
-            <a:br>
-              <a:rPr lang="pt-BR" dirty="0"/>
-            </a:br>
-            <a:r>
-              <a:rPr lang="pt-BR" dirty="0"/>
-              <a:t>Segundo essa página, as características específicas da </a:t>
-            </a:r>
-            <a:r>
-              <a:rPr lang="pt-BR" dirty="0" err="1"/>
-              <a:t>Fjalla</a:t>
-            </a:r>
-            <a:r>
-              <a:rPr lang="pt-BR" dirty="0"/>
-              <a:t> </a:t>
-            </a:r>
-            <a:r>
-              <a:rPr lang="pt-BR" dirty="0" err="1"/>
-              <a:t>One</a:t>
-            </a:r>
-            <a:r>
-              <a:rPr lang="pt-BR" dirty="0"/>
-              <a:t> são adequadas para transmitir seriedade e profissionalismo, que é a imagem que queremos para o portfólio.</a:t>
-            </a:r>
-          </a:p>
-          <a:p>
-            <a:r>
-              <a:rPr lang="pt-BR" b="1" dirty="0"/>
-              <a:t>Fonte </a:t>
-            </a:r>
-            <a:r>
-              <a:rPr lang="pt-BR" b="1" dirty="0" err="1"/>
-              <a:t>Average</a:t>
-            </a:r>
-            <a:endParaRPr lang="pt-BR" b="1" dirty="0"/>
-          </a:p>
-          <a:p>
-            <a:pPr lvl="1"/>
-            <a:r>
-              <a:rPr lang="pt-BR" dirty="0"/>
-              <a:t>Referências que utilizam o mesmo padrão:</a:t>
-            </a:r>
-            <a:br>
-              <a:rPr lang="pt-BR" dirty="0"/>
-            </a:br>
-            <a:r>
-              <a:rPr lang="pt-BR" dirty="0">
-                <a:hlinkClick r:id="rId2"/>
-              </a:rPr>
-              <a:t>http://www.site-ficticio-a.com/pagina-ficticia-1</a:t>
-            </a:r>
-            <a:br>
-              <a:rPr lang="pt-BR" dirty="0"/>
-            </a:br>
-            <a:r>
-              <a:rPr lang="pt-BR" dirty="0">
-                <a:hlinkClick r:id="rId3"/>
-              </a:rPr>
-              <a:t>http://www.site-ficticio-b.com/pagina-ficticia-2</a:t>
-            </a:r>
-            <a:br>
-              <a:rPr lang="pt-BR" dirty="0"/>
-            </a:br>
-            <a:r>
-              <a:rPr lang="pt-BR" dirty="0"/>
-              <a:t>Referência que justifica o padrão:</a:t>
-            </a:r>
-            <a:br>
-              <a:rPr lang="pt-BR" dirty="0"/>
-            </a:br>
-            <a:r>
-              <a:rPr lang="pt-BR" dirty="0">
-                <a:hlinkClick r:id="rId4"/>
-              </a:rPr>
-              <a:t>http://www.site-ficticio-e.com/pagina-ficticia-5</a:t>
-            </a:r>
-            <a:br>
-              <a:rPr lang="pt-BR" dirty="0"/>
-            </a:br>
-            <a:endParaRPr lang="pt-BR" dirty="0"/>
-          </a:p>
-          <a:p>
-            <a:r>
-              <a:rPr lang="pt-BR" b="1" dirty="0"/>
-              <a:t>Cor verde (#76b874) do cabeçalho e rodapé</a:t>
-            </a:r>
-          </a:p>
-          <a:p>
-            <a:pPr lvl="1"/>
-            <a:r>
-              <a:rPr lang="pt-BR" dirty="0"/>
-              <a:t>Referências que utilizam o mesmo padrão:</a:t>
-            </a:r>
-            <a:br>
-              <a:rPr lang="pt-BR" dirty="0"/>
-            </a:br>
-            <a:r>
-              <a:rPr lang="pt-BR" dirty="0">
-                <a:hlinkClick r:id="rId2"/>
-              </a:rPr>
-              <a:t>http://www.site-ficticio-a.com/pagina-ficticia-1</a:t>
-            </a:r>
-            <a:br>
-              <a:rPr lang="pt-BR" dirty="0"/>
-            </a:br>
-            <a:r>
-              <a:rPr lang="pt-BR" dirty="0">
-                <a:hlinkClick r:id="rId3"/>
-              </a:rPr>
-              <a:t>http://www.site-ficticio-b.com/pagina-ficticia-2</a:t>
-            </a:r>
-            <a:br>
-              <a:rPr lang="pt-BR" dirty="0"/>
-            </a:br>
-            <a:r>
-              <a:rPr lang="pt-BR" dirty="0"/>
-              <a:t>Referência que justifica o padrão:</a:t>
-            </a:r>
-            <a:br>
-              <a:rPr lang="pt-BR" dirty="0"/>
-            </a:br>
-            <a:r>
-              <a:rPr lang="pt-BR" dirty="0">
-                <a:hlinkClick r:id="rId4"/>
-              </a:rPr>
-              <a:t>http://www.site-ficticio-e.com/pagina-ficticia-5</a:t>
-            </a:r>
-            <a:br>
-              <a:rPr lang="pt-BR" dirty="0"/>
-            </a:br>
-            <a:endParaRPr lang="pt-BR" b="1" dirty="0"/>
-          </a:p>
-          <a:p>
-            <a:r>
-              <a:rPr lang="pt-BR" b="1" dirty="0"/>
-              <a:t>Cor amarela (#c4c17c) do fundo</a:t>
-            </a:r>
-          </a:p>
-          <a:p>
-            <a:pPr lvl="1"/>
-            <a:r>
-              <a:rPr lang="pt-BR" dirty="0"/>
-              <a:t>Referências que utilizam o mesmo padrão:</a:t>
-            </a:r>
-            <a:br>
-              <a:rPr lang="pt-BR" dirty="0"/>
-            </a:br>
-            <a:r>
-              <a:rPr lang="pt-BR" dirty="0">
-                <a:hlinkClick r:id="rId2"/>
-              </a:rPr>
-              <a:t>http://www.site-ficticio-a.com/pagina-ficticia-1</a:t>
-            </a:r>
-            <a:br>
-              <a:rPr lang="pt-BR" dirty="0"/>
-            </a:br>
-            <a:r>
-              <a:rPr lang="pt-BR" dirty="0">
-                <a:hlinkClick r:id="rId3"/>
-              </a:rPr>
-              <a:t>http://www.site-ficticio-b.com/pagina-ficticia-2</a:t>
-            </a:r>
-            <a:br>
-              <a:rPr lang="pt-BR" dirty="0"/>
-            </a:br>
-            <a:r>
-              <a:rPr lang="pt-BR" dirty="0"/>
-              <a:t>Referência que justifica o padrão:</a:t>
-            </a:r>
-            <a:br>
-              <a:rPr lang="pt-BR" dirty="0"/>
-            </a:br>
-            <a:r>
-              <a:rPr lang="pt-BR" dirty="0">
-                <a:hlinkClick r:id="rId4"/>
-              </a:rPr>
-              <a:t>http://www.site-ficticio-e.com/pagina-ficticia-5</a:t>
-            </a:r>
-            <a:br>
-              <a:rPr lang="pt-BR" dirty="0"/>
-            </a:br>
-            <a:endParaRPr lang="pt-BR" dirty="0"/>
-          </a:p>
-          <a:p>
-            <a:endParaRPr lang="pt-BR" b="1" dirty="0"/>
-          </a:p>
-          <a:p>
-            <a:endParaRPr lang="pt-BR" dirty="0"/>
-          </a:p>
-        </p:txBody>
-      </p:sp>
-    </p:spTree>
-    <p:extLst>
-      <p:ext uri="{BB962C8B-B14F-4D97-AF65-F5344CB8AC3E}">
-        <p14:creationId xmlns:p14="http://schemas.microsoft.com/office/powerpoint/2010/main" val="692573052"/>
-      </p:ext>
-    </p:extLst>
-  </p:cSld>
-  <p:clrMapOvr>
-    <a:masterClrMapping/>
-  </p:clrMapOvr>
-</p:sld>
-</file>
-
-<file path=ppt/slides/slide9.xml><?xml version="1.0" encoding="utf-8"?>
-<p:sld xmlns:a="http://schemas.openxmlformats.org/drawingml/2006/main" xmlns:r="http://schemas.openxmlformats.org/officeDocument/2006/relationships" xmlns:p="http://schemas.openxmlformats.org/presentationml/2006/main">
-  <p:cSld>
-    <p:spTree>
-      <p:nvGrpSpPr>
-        <p:cNvPr id="1" name="Shape 355"/>
-        <p:cNvGrpSpPr/>
-        <p:nvPr/>
-      </p:nvGrpSpPr>
-      <p:grpSpPr>
-        <a:xfrm>
-          <a:off x="0" y="0"/>
-          <a:ext cx="0" cy="0"/>
-          <a:chOff x="0" y="0"/>
-          <a:chExt cx="0" cy="0"/>
-        </a:xfrm>
-      </p:grpSpPr>
-      <p:graphicFrame>
-        <p:nvGraphicFramePr>
-          <p:cNvPr id="356" name="Shape 356"/>
-          <p:cNvGraphicFramePr/>
-          <p:nvPr/>
-        </p:nvGraphicFramePr>
-        <p:xfrm>
-          <a:off x="858644" y="2286000"/>
-          <a:ext cx="10426389" cy="2163337"/>
-        </p:xfrm>
-        <a:graphic>
-          <a:graphicData uri="http://schemas.openxmlformats.org/drawingml/2006/table">
-            <a:tbl>
-              <a:tblPr>
-                <a:noFill/>
-              </a:tblPr>
-              <a:tblGrid>
-                <a:gridCol w="1746945">
-                  <a:extLst>
-                    <a:ext uri="{9D8B030D-6E8A-4147-A177-3AD203B41FA5}">
-                      <a16:colId xmlns:a16="http://schemas.microsoft.com/office/drawing/2014/main" val="20000"/>
-                    </a:ext>
-                  </a:extLst>
-                </a:gridCol>
-                <a:gridCol w="1614266">
-                  <a:extLst>
-                    <a:ext uri="{9D8B030D-6E8A-4147-A177-3AD203B41FA5}">
-                      <a16:colId xmlns:a16="http://schemas.microsoft.com/office/drawing/2014/main" val="20001"/>
-                    </a:ext>
-                  </a:extLst>
-                </a:gridCol>
-                <a:gridCol w="1857511">
-                  <a:extLst>
-                    <a:ext uri="{9D8B030D-6E8A-4147-A177-3AD203B41FA5}">
-                      <a16:colId xmlns:a16="http://schemas.microsoft.com/office/drawing/2014/main" val="20002"/>
-                    </a:ext>
-                  </a:extLst>
-                </a:gridCol>
-                <a:gridCol w="1735889">
-                  <a:extLst>
-                    <a:ext uri="{9D8B030D-6E8A-4147-A177-3AD203B41FA5}">
-                      <a16:colId xmlns:a16="http://schemas.microsoft.com/office/drawing/2014/main" val="20003"/>
-                    </a:ext>
-                  </a:extLst>
-                </a:gridCol>
-                <a:gridCol w="1735889">
-                  <a:extLst>
-                    <a:ext uri="{9D8B030D-6E8A-4147-A177-3AD203B41FA5}">
-                      <a16:colId xmlns:a16="http://schemas.microsoft.com/office/drawing/2014/main" val="20004"/>
-                    </a:ext>
-                  </a:extLst>
-                </a:gridCol>
-                <a:gridCol w="1735889">
-                  <a:extLst>
-                    <a:ext uri="{9D8B030D-6E8A-4147-A177-3AD203B41FA5}">
-                      <a16:colId xmlns:a16="http://schemas.microsoft.com/office/drawing/2014/main" val="20005"/>
-                    </a:ext>
-                  </a:extLst>
-                </a:gridCol>
-              </a:tblGrid>
-              <a:tr h="512708">
-                <a:tc gridSpan="6">
-                  <a:txBody>
-                    <a:bodyPr/>
-                    <a:lstStyle/>
-                    <a:p>
-                      <a:pPr lvl="0" rtl="0">
-                        <a:spcBef>
-                          <a:spcPts val="0"/>
-                        </a:spcBef>
-                        <a:buNone/>
-                      </a:pPr>
-                      <a:r>
-                        <a:rPr lang="en" sz="1100" b="1" dirty="0">
-                          <a:latin typeface="Calibri"/>
-                          <a:ea typeface="Calibri"/>
-                          <a:cs typeface="Calibri"/>
-                          <a:sym typeface="Calibri"/>
-                        </a:rPr>
-                        <a:t>Objetivo de aprendizado: </a:t>
-                      </a:r>
-                      <a:r>
-                        <a:rPr lang="en" sz="1100" dirty="0">
-                          <a:latin typeface="Calibri"/>
-                          <a:ea typeface="Calibri"/>
-                          <a:cs typeface="Calibri"/>
-                          <a:sym typeface="Calibri"/>
-                        </a:rPr>
-                        <a:t>aplicar ferramentas de design gráfico e tecnologias de front-end web em prototipação digital.</a:t>
-                      </a:r>
-                    </a:p>
-                  </a:txBody>
-                  <a:tcPr marL="68575" marR="68575" marT="91425" marB="91425">
-                    <a:lnL w="12700" cap="flat" cmpd="sng">
-                      <a:solidFill>
-                        <a:srgbClr val="000000"/>
-                      </a:solidFill>
-                      <a:prstDash val="solid"/>
-                      <a:round/>
-                      <a:headEnd type="none" w="med" len="med"/>
-                      <a:tailEnd type="none" w="med" len="med"/>
-                    </a:lnL>
-                    <a:lnR w="12700" cap="flat" cmpd="sng">
-                      <a:solidFill>
-                        <a:srgbClr val="000000"/>
-                      </a:solidFill>
-                      <a:prstDash val="solid"/>
-                      <a:round/>
-                      <a:headEnd type="none" w="med" len="med"/>
-                      <a:tailEnd type="none" w="med" len="med"/>
-                    </a:lnR>
-                    <a:lnT w="12700" cap="flat" cmpd="sng">
-                      <a:solidFill>
-                        <a:srgbClr val="000000"/>
-                      </a:solidFill>
-                      <a:prstDash val="solid"/>
-                      <a:round/>
-                      <a:headEnd type="none" w="med" len="med"/>
-                      <a:tailEnd type="none" w="med" len="med"/>
-                    </a:lnT>
-                    <a:lnB w="12700" cap="flat" cmpd="sng">
-                      <a:solidFill>
-                        <a:srgbClr val="000000"/>
-                      </a:solidFill>
-                      <a:prstDash val="solid"/>
-                      <a:round/>
-                      <a:headEnd type="none" w="med" len="med"/>
-                      <a:tailEnd type="none" w="med" len="med"/>
-                    </a:lnB>
-                    <a:solidFill>
-                      <a:srgbClr val="D9D9D9"/>
-                    </a:solidFill>
-                  </a:tcPr>
-                </a:tc>
-                <a:tc hMerge="1">
-                  <a:txBody>
-                    <a:bodyPr/>
-                    <a:lstStyle/>
-                    <a:p>
-                      <a:endParaRPr lang="pt-BR"/>
-                    </a:p>
-                  </a:txBody>
-                  <a:tcPr/>
-                </a:tc>
-                <a:tc hMerge="1">
-                  <a:txBody>
-                    <a:bodyPr/>
-                    <a:lstStyle/>
-                    <a:p>
-                      <a:endParaRPr lang="pt-BR"/>
-                    </a:p>
-                  </a:txBody>
-                  <a:tcPr/>
-                </a:tc>
-                <a:tc hMerge="1">
-                  <a:txBody>
-                    <a:bodyPr/>
-                    <a:lstStyle/>
-                    <a:p>
-                      <a:endParaRPr lang="pt-BR"/>
-                    </a:p>
-                  </a:txBody>
-                  <a:tcPr/>
-                </a:tc>
-                <a:tc hMerge="1">
-                  <a:txBody>
-                    <a:bodyPr/>
-                    <a:lstStyle/>
-                    <a:p>
-                      <a:endParaRPr lang="pt-BR"/>
-                    </a:p>
-                  </a:txBody>
-                  <a:tcPr/>
-                </a:tc>
-                <a:tc hMerge="1">
-                  <a:txBody>
-                    <a:bodyPr/>
-                    <a:lstStyle/>
-                    <a:p>
-                      <a:endParaRPr lang="pt-BR"/>
-                    </a:p>
-                  </a:txBody>
-                  <a:tcPr/>
-                </a:tc>
-                <a:extLst>
-                  <a:ext uri="{0D108BD9-81ED-4DB2-BD59-A6C34878D82A}">
-                    <a16:rowId xmlns:a16="http://schemas.microsoft.com/office/drawing/2014/main" val="10000"/>
-                  </a:ext>
-                </a:extLst>
-              </a:tr>
-              <a:tr h="531937">
-                <a:tc>
-                  <a:txBody>
-                    <a:bodyPr/>
-                    <a:lstStyle/>
-                    <a:p>
-                      <a:pPr lvl="0" algn="ctr" rtl="0">
-                        <a:lnSpc>
-                          <a:spcPct val="115000"/>
-                        </a:lnSpc>
-                        <a:spcBef>
-                          <a:spcPts val="0"/>
-                        </a:spcBef>
-                        <a:buNone/>
-                      </a:pPr>
-                      <a:r>
-                        <a:rPr lang="en" sz="1100" b="1">
-                          <a:solidFill>
-                            <a:srgbClr val="FFFFFF"/>
-                          </a:solidFill>
-                          <a:latin typeface="Calibri"/>
-                          <a:ea typeface="Calibri"/>
-                          <a:cs typeface="Calibri"/>
-                          <a:sym typeface="Calibri"/>
-                        </a:rPr>
-                        <a:t>Definição Operacional</a:t>
-                      </a:r>
-                    </a:p>
-                  </a:txBody>
-                  <a:tcPr marL="68575" marR="68575" marT="91425" marB="91425">
-                    <a:lnL w="12700" cap="flat" cmpd="sng">
-                      <a:solidFill>
-                        <a:srgbClr val="000000"/>
-                      </a:solidFill>
-                      <a:prstDash val="solid"/>
-                      <a:round/>
-                      <a:headEnd type="none" w="med" len="med"/>
-                      <a:tailEnd type="none" w="med" len="med"/>
-                    </a:lnL>
-                    <a:lnR w="12700" cap="flat" cmpd="sng">
-                      <a:solidFill>
-                        <a:srgbClr val="000000"/>
-                      </a:solidFill>
-                      <a:prstDash val="solid"/>
-                      <a:round/>
-                      <a:headEnd type="none" w="med" len="med"/>
-                      <a:tailEnd type="none" w="med" len="med"/>
-                    </a:lnR>
-                    <a:lnT w="12700" cap="flat" cmpd="sng">
-                      <a:solidFill>
-                        <a:srgbClr val="000000"/>
-                      </a:solidFill>
-                      <a:prstDash val="solid"/>
-                      <a:round/>
-                      <a:headEnd type="none" w="med" len="med"/>
-                      <a:tailEnd type="none" w="med" len="med"/>
-                    </a:lnT>
-                    <a:lnB w="12700" cap="flat" cmpd="sng">
-                      <a:solidFill>
-                        <a:srgbClr val="000000"/>
-                      </a:solidFill>
-                      <a:prstDash val="solid"/>
-                      <a:round/>
-                      <a:headEnd type="none" w="med" len="med"/>
-                      <a:tailEnd type="none" w="med" len="med"/>
-                    </a:lnB>
-                    <a:solidFill>
-                      <a:srgbClr val="000000"/>
-                    </a:solidFill>
-                  </a:tcPr>
-                </a:tc>
-                <a:tc>
-                  <a:txBody>
-                    <a:bodyPr/>
-                    <a:lstStyle/>
-                    <a:p>
-                      <a:pPr lvl="0" algn="ctr" rtl="0">
-                        <a:lnSpc>
-                          <a:spcPct val="115000"/>
-                        </a:lnSpc>
-                        <a:spcBef>
-                          <a:spcPts val="0"/>
-                        </a:spcBef>
-                        <a:buNone/>
-                      </a:pPr>
-                      <a:r>
-                        <a:rPr lang="en" sz="1100" b="1">
-                          <a:solidFill>
-                            <a:srgbClr val="FFFFFF"/>
-                          </a:solidFill>
-                          <a:latin typeface="Calibri"/>
-                          <a:ea typeface="Calibri"/>
-                          <a:cs typeface="Calibri"/>
-                          <a:sym typeface="Calibri"/>
-                        </a:rPr>
-                        <a:t>Insatisfatório (I)</a:t>
-                      </a:r>
-                    </a:p>
-                  </a:txBody>
-                  <a:tcPr marL="68575" marR="68575" marT="91425" marB="91425">
-                    <a:lnL w="12700" cap="flat" cmpd="sng">
-                      <a:solidFill>
-                        <a:srgbClr val="000000"/>
-                      </a:solidFill>
-                      <a:prstDash val="solid"/>
-                      <a:round/>
-                      <a:headEnd type="none" w="med" len="med"/>
-                      <a:tailEnd type="none" w="med" len="med"/>
-                    </a:lnL>
-                    <a:lnR w="12700" cap="flat" cmpd="sng">
-                      <a:solidFill>
-                        <a:srgbClr val="000000"/>
-                      </a:solidFill>
-                      <a:prstDash val="solid"/>
-                      <a:round/>
-                      <a:headEnd type="none" w="med" len="med"/>
-                      <a:tailEnd type="none" w="med" len="med"/>
-                    </a:lnR>
-                    <a:lnT w="12700" cap="flat" cmpd="sng">
-                      <a:solidFill>
-                        <a:srgbClr val="000000"/>
-                      </a:solidFill>
-                      <a:prstDash val="solid"/>
-                      <a:round/>
-                      <a:headEnd type="none" w="med" len="med"/>
-                      <a:tailEnd type="none" w="med" len="med"/>
-                    </a:lnT>
-                    <a:lnB w="12700" cap="flat" cmpd="sng">
-                      <a:solidFill>
-                        <a:srgbClr val="000000"/>
-                      </a:solidFill>
-                      <a:prstDash val="solid"/>
-                      <a:round/>
-                      <a:headEnd type="none" w="med" len="med"/>
-                      <a:tailEnd type="none" w="med" len="med"/>
-                    </a:lnB>
-                    <a:solidFill>
-                      <a:srgbClr val="000000"/>
-                    </a:solidFill>
-                  </a:tcPr>
-                </a:tc>
-                <a:tc>
-                  <a:txBody>
-                    <a:bodyPr/>
-                    <a:lstStyle/>
-                    <a:p>
-                      <a:pPr lvl="0" algn="ctr" rtl="0">
-                        <a:lnSpc>
-                          <a:spcPct val="115000"/>
-                        </a:lnSpc>
-                        <a:spcBef>
-                          <a:spcPts val="0"/>
-                        </a:spcBef>
-                        <a:buNone/>
-                      </a:pPr>
-                      <a:r>
-                        <a:rPr lang="en" sz="1100" b="1">
-                          <a:solidFill>
-                            <a:srgbClr val="FFFFFF"/>
-                          </a:solidFill>
-                          <a:latin typeface="Calibri"/>
-                          <a:ea typeface="Calibri"/>
-                          <a:cs typeface="Calibri"/>
-                          <a:sym typeface="Calibri"/>
-                        </a:rPr>
-                        <a:t>Em desenvolvimento (D)</a:t>
-                      </a:r>
-                    </a:p>
-                  </a:txBody>
-                  <a:tcPr marL="68575" marR="68575" marT="91425" marB="91425">
-                    <a:lnL w="12700" cap="flat" cmpd="sng">
-                      <a:solidFill>
-                        <a:srgbClr val="000000"/>
-                      </a:solidFill>
-                      <a:prstDash val="solid"/>
-                      <a:round/>
-                      <a:headEnd type="none" w="med" len="med"/>
-                      <a:tailEnd type="none" w="med" len="med"/>
-                    </a:lnL>
-                    <a:lnR w="12700" cap="flat" cmpd="sng">
-                      <a:solidFill>
-                        <a:srgbClr val="000000"/>
-                      </a:solidFill>
-                      <a:prstDash val="solid"/>
-                      <a:round/>
-                      <a:headEnd type="none" w="med" len="med"/>
-                      <a:tailEnd type="none" w="med" len="med"/>
-                    </a:lnR>
-                    <a:lnT w="12700" cap="flat" cmpd="sng">
-                      <a:solidFill>
-                        <a:srgbClr val="000000"/>
-                      </a:solidFill>
-                      <a:prstDash val="solid"/>
-                      <a:round/>
-                      <a:headEnd type="none" w="med" len="med"/>
-                      <a:tailEnd type="none" w="med" len="med"/>
-                    </a:lnT>
-                    <a:lnB w="12700" cap="flat" cmpd="sng">
-                      <a:solidFill>
-                        <a:srgbClr val="000000"/>
-                      </a:solidFill>
-                      <a:prstDash val="solid"/>
-                      <a:round/>
-                      <a:headEnd type="none" w="med" len="med"/>
-                      <a:tailEnd type="none" w="med" len="med"/>
-                    </a:lnB>
-                    <a:solidFill>
-                      <a:srgbClr val="000000"/>
-                    </a:solidFill>
-                  </a:tcPr>
-                </a:tc>
-                <a:tc>
-                  <a:txBody>
-                    <a:bodyPr/>
-                    <a:lstStyle/>
-                    <a:p>
-                      <a:pPr lvl="0" algn="ctr" rtl="0">
-                        <a:lnSpc>
-                          <a:spcPct val="115000"/>
-                        </a:lnSpc>
-                        <a:spcBef>
-                          <a:spcPts val="0"/>
-                        </a:spcBef>
-                        <a:buNone/>
-                      </a:pPr>
-                      <a:r>
-                        <a:rPr lang="en" sz="1100" b="1">
-                          <a:solidFill>
-                            <a:srgbClr val="FFFFFF"/>
-                          </a:solidFill>
-                          <a:latin typeface="Calibri"/>
-                          <a:ea typeface="Calibri"/>
-                          <a:cs typeface="Calibri"/>
-                          <a:sym typeface="Calibri"/>
-                        </a:rPr>
-                        <a:t>Essencial (C)</a:t>
-                      </a:r>
-                    </a:p>
-                  </a:txBody>
-                  <a:tcPr marL="68575" marR="68575" marT="91425" marB="91425">
-                    <a:lnL w="12700" cap="flat" cmpd="sng">
-                      <a:solidFill>
-                        <a:srgbClr val="000000"/>
-                      </a:solidFill>
-                      <a:prstDash val="solid"/>
-                      <a:round/>
-                      <a:headEnd type="none" w="med" len="med"/>
-                      <a:tailEnd type="none" w="med" len="med"/>
-                    </a:lnL>
-                    <a:lnR w="12700" cap="flat" cmpd="sng">
-                      <a:solidFill>
-                        <a:srgbClr val="000000"/>
-                      </a:solidFill>
-                      <a:prstDash val="solid"/>
-                      <a:round/>
-                      <a:headEnd type="none" w="med" len="med"/>
-                      <a:tailEnd type="none" w="med" len="med"/>
-                    </a:lnR>
-                    <a:lnT w="12700" cap="flat" cmpd="sng">
-                      <a:solidFill>
-                        <a:srgbClr val="000000"/>
-                      </a:solidFill>
-                      <a:prstDash val="solid"/>
-                      <a:round/>
-                      <a:headEnd type="none" w="med" len="med"/>
-                      <a:tailEnd type="none" w="med" len="med"/>
-                    </a:lnT>
-                    <a:lnB w="12700" cap="flat" cmpd="sng">
-                      <a:solidFill>
-                        <a:srgbClr val="000000"/>
-                      </a:solidFill>
-                      <a:prstDash val="solid"/>
-                      <a:round/>
-                      <a:headEnd type="none" w="med" len="med"/>
-                      <a:tailEnd type="none" w="med" len="med"/>
-                    </a:lnB>
-                    <a:solidFill>
-                      <a:srgbClr val="000000"/>
-                    </a:solidFill>
-                  </a:tcPr>
-                </a:tc>
-                <a:tc>
-                  <a:txBody>
-                    <a:bodyPr/>
-                    <a:lstStyle/>
-                    <a:p>
-                      <a:pPr lvl="0" algn="ctr" rtl="0">
-                        <a:lnSpc>
-                          <a:spcPct val="115000"/>
-                        </a:lnSpc>
-                        <a:spcBef>
-                          <a:spcPts val="0"/>
-                        </a:spcBef>
-                        <a:buNone/>
-                      </a:pPr>
-                      <a:r>
-                        <a:rPr lang="en" sz="1100" b="1">
-                          <a:solidFill>
-                            <a:srgbClr val="FFFFFF"/>
-                          </a:solidFill>
-                          <a:latin typeface="Calibri"/>
-                          <a:ea typeface="Calibri"/>
-                          <a:cs typeface="Calibri"/>
-                          <a:sym typeface="Calibri"/>
-                        </a:rPr>
-                        <a:t>Proficiente (B)</a:t>
-                      </a:r>
-                    </a:p>
-                  </a:txBody>
-                  <a:tcPr marL="68575" marR="68575" marT="91425" marB="91425">
-                    <a:lnL w="12700" cap="flat" cmpd="sng">
-                      <a:solidFill>
-                        <a:srgbClr val="000000"/>
-                      </a:solidFill>
-                      <a:prstDash val="solid"/>
-                      <a:round/>
-                      <a:headEnd type="none" w="med" len="med"/>
-                      <a:tailEnd type="none" w="med" len="med"/>
-                    </a:lnL>
-                    <a:lnR w="12700" cap="flat" cmpd="sng">
-                      <a:solidFill>
-                        <a:srgbClr val="000000"/>
-                      </a:solidFill>
-                      <a:prstDash val="solid"/>
-                      <a:round/>
-                      <a:headEnd type="none" w="med" len="med"/>
-                      <a:tailEnd type="none" w="med" len="med"/>
-                    </a:lnR>
-                    <a:lnT w="12700" cap="flat" cmpd="sng">
-                      <a:solidFill>
-                        <a:srgbClr val="000000"/>
-                      </a:solidFill>
-                      <a:prstDash val="solid"/>
-                      <a:round/>
-                      <a:headEnd type="none" w="med" len="med"/>
-                      <a:tailEnd type="none" w="med" len="med"/>
-                    </a:lnT>
-                    <a:lnB w="12700" cap="flat" cmpd="sng">
-                      <a:solidFill>
-                        <a:srgbClr val="000000"/>
-                      </a:solidFill>
-                      <a:prstDash val="solid"/>
-                      <a:round/>
-                      <a:headEnd type="none" w="med" len="med"/>
-                      <a:tailEnd type="none" w="med" len="med"/>
-                    </a:lnB>
-                    <a:solidFill>
-                      <a:srgbClr val="000000"/>
-                    </a:solidFill>
-                  </a:tcPr>
-                </a:tc>
-                <a:tc>
-                  <a:txBody>
-                    <a:bodyPr/>
-                    <a:lstStyle/>
-                    <a:p>
-                      <a:pPr lvl="0" algn="ctr" rtl="0">
-                        <a:lnSpc>
-                          <a:spcPct val="115000"/>
-                        </a:lnSpc>
-                        <a:spcBef>
-                          <a:spcPts val="0"/>
-                        </a:spcBef>
-                        <a:buNone/>
-                      </a:pPr>
-                      <a:r>
-                        <a:rPr lang="en" sz="1100" b="1">
-                          <a:solidFill>
-                            <a:srgbClr val="FFFFFF"/>
-                          </a:solidFill>
-                          <a:latin typeface="Calibri"/>
-                          <a:ea typeface="Calibri"/>
-                          <a:cs typeface="Calibri"/>
-                          <a:sym typeface="Calibri"/>
-                        </a:rPr>
-                        <a:t>Avançado (A)</a:t>
-                      </a:r>
-                    </a:p>
-                  </a:txBody>
-                  <a:tcPr marL="68575" marR="68575" marT="91425" marB="91425">
-                    <a:lnL w="12700" cap="flat" cmpd="sng">
-                      <a:solidFill>
-                        <a:srgbClr val="000000"/>
-                      </a:solidFill>
-                      <a:prstDash val="solid"/>
-                      <a:round/>
-                      <a:headEnd type="none" w="med" len="med"/>
-                      <a:tailEnd type="none" w="med" len="med"/>
-                    </a:lnL>
-                    <a:lnR w="12700" cap="flat" cmpd="sng">
-                      <a:solidFill>
-                        <a:srgbClr val="000000"/>
-                      </a:solidFill>
-                      <a:prstDash val="solid"/>
-                      <a:round/>
-                      <a:headEnd type="none" w="med" len="med"/>
-                      <a:tailEnd type="none" w="med" len="med"/>
-                    </a:lnR>
-                    <a:lnT w="12700" cap="flat" cmpd="sng">
-                      <a:solidFill>
-                        <a:srgbClr val="000000"/>
-                      </a:solidFill>
-                      <a:prstDash val="solid"/>
-                      <a:round/>
-                      <a:headEnd type="none" w="med" len="med"/>
-                      <a:tailEnd type="none" w="med" len="med"/>
-                    </a:lnT>
-                    <a:lnB w="12700" cap="flat" cmpd="sng">
-                      <a:solidFill>
-                        <a:srgbClr val="000000"/>
-                      </a:solidFill>
-                      <a:prstDash val="solid"/>
-                      <a:round/>
-                      <a:headEnd type="none" w="med" len="med"/>
-                      <a:tailEnd type="none" w="med" len="med"/>
-                    </a:lnB>
-                    <a:solidFill>
-                      <a:srgbClr val="000000"/>
-                    </a:solidFill>
-                  </a:tcPr>
-                </a:tc>
-                <a:extLst>
-                  <a:ext uri="{0D108BD9-81ED-4DB2-BD59-A6C34878D82A}">
-                    <a16:rowId xmlns:a16="http://schemas.microsoft.com/office/drawing/2014/main" val="10001"/>
-                  </a:ext>
-                </a:extLst>
-              </a:tr>
-              <a:tr h="1118692">
-                <a:tc>
-                  <a:txBody>
-                    <a:bodyPr/>
-                    <a:lstStyle/>
-                    <a:p>
-                      <a:pPr lvl="0" rtl="0">
-                        <a:spcBef>
-                          <a:spcPts val="0"/>
-                        </a:spcBef>
-                        <a:buNone/>
-                      </a:pPr>
-                      <a:r>
-                        <a:rPr lang="en" sz="1050" b="1" dirty="0">
-                          <a:latin typeface="Calibri"/>
-                          <a:ea typeface="Calibri"/>
-                          <a:cs typeface="Calibri"/>
-                          <a:sym typeface="Calibri"/>
-                        </a:rPr>
-                        <a:t>Utilizar ferramentas de design gráfico para construir um mockup consistente com um wireframe</a:t>
-                      </a:r>
-                    </a:p>
-                  </a:txBody>
-                  <a:tcPr marL="68575" marR="68575" marT="91425" marB="91425">
-                    <a:lnL w="12700" cap="flat" cmpd="sng">
-                      <a:solidFill>
-                        <a:srgbClr val="000000"/>
-                      </a:solidFill>
-                      <a:prstDash val="solid"/>
-                      <a:round/>
-                      <a:headEnd type="none" w="med" len="med"/>
-                      <a:tailEnd type="none" w="med" len="med"/>
-                    </a:lnL>
-                    <a:lnR w="12700" cap="flat" cmpd="sng">
-                      <a:solidFill>
-                        <a:srgbClr val="000000"/>
-                      </a:solidFill>
-                      <a:prstDash val="solid"/>
-                      <a:round/>
-                      <a:headEnd type="none" w="med" len="med"/>
-                      <a:tailEnd type="none" w="med" len="med"/>
-                    </a:lnR>
-                    <a:lnT w="12700" cap="flat" cmpd="sng">
-                      <a:solidFill>
-                        <a:srgbClr val="000000"/>
-                      </a:solidFill>
-                      <a:prstDash val="solid"/>
-                      <a:round/>
-                      <a:headEnd type="none" w="med" len="med"/>
-                      <a:tailEnd type="none" w="med" len="med"/>
-                    </a:lnT>
-                    <a:lnB w="12700" cap="flat" cmpd="sng">
-                      <a:solidFill>
-                        <a:srgbClr val="000000"/>
-                      </a:solidFill>
-                      <a:prstDash val="solid"/>
-                      <a:round/>
-                      <a:headEnd type="none" w="med" len="med"/>
-                      <a:tailEnd type="none" w="med" len="med"/>
-                    </a:lnB>
-                  </a:tcPr>
-                </a:tc>
-                <a:tc>
-                  <a:txBody>
-                    <a:bodyPr/>
-                    <a:lstStyle/>
-                    <a:p>
-                      <a:pPr lvl="0" rtl="0">
-                        <a:spcBef>
-                          <a:spcPts val="0"/>
-                        </a:spcBef>
-                        <a:buNone/>
-                      </a:pPr>
-                      <a:r>
-                        <a:rPr lang="en" sz="1050" dirty="0">
-                          <a:latin typeface="Calibri"/>
-                          <a:ea typeface="Calibri"/>
-                          <a:cs typeface="Calibri"/>
-                          <a:sym typeface="Calibri"/>
-                        </a:rPr>
-                        <a:t>Não satisfez os critérios em D.</a:t>
-                      </a:r>
-                    </a:p>
-                  </a:txBody>
-                  <a:tcPr marL="68575" marR="68575" marT="91425" marB="91425">
-                    <a:lnL w="12700" cap="flat" cmpd="sng">
-                      <a:solidFill>
-                        <a:srgbClr val="000000"/>
-                      </a:solidFill>
-                      <a:prstDash val="solid"/>
-                      <a:round/>
-                      <a:headEnd type="none" w="med" len="med"/>
-                      <a:tailEnd type="none" w="med" len="med"/>
-                    </a:lnL>
-                    <a:lnR w="12700" cap="flat" cmpd="sng">
-                      <a:solidFill>
-                        <a:srgbClr val="000000"/>
-                      </a:solidFill>
-                      <a:prstDash val="solid"/>
-                      <a:round/>
-                      <a:headEnd type="none" w="med" len="med"/>
-                      <a:tailEnd type="none" w="med" len="med"/>
-                    </a:lnR>
-                    <a:lnT w="12700" cap="flat" cmpd="sng">
-                      <a:solidFill>
-                        <a:srgbClr val="000000"/>
-                      </a:solidFill>
-                      <a:prstDash val="solid"/>
-                      <a:round/>
-                      <a:headEnd type="none" w="med" len="med"/>
-                      <a:tailEnd type="none" w="med" len="med"/>
-                    </a:lnT>
-                    <a:lnB w="12700" cap="flat" cmpd="sng">
-                      <a:solidFill>
-                        <a:srgbClr val="000000"/>
-                      </a:solidFill>
-                      <a:prstDash val="solid"/>
-                      <a:round/>
-                      <a:headEnd type="none" w="med" len="med"/>
-                      <a:tailEnd type="none" w="med" len="med"/>
-                    </a:lnB>
-                  </a:tcPr>
-                </a:tc>
-                <a:tc>
-                  <a:txBody>
-                    <a:bodyPr/>
-                    <a:lstStyle/>
-                    <a:p>
-                      <a:pPr lvl="0" rtl="0">
-                        <a:spcBef>
-                          <a:spcPts val="0"/>
-                        </a:spcBef>
-                        <a:buNone/>
-                      </a:pPr>
-                      <a:r>
-                        <a:rPr lang="en" sz="1050" dirty="0">
-                          <a:latin typeface="Calibri"/>
-                          <a:ea typeface="Calibri"/>
-                          <a:cs typeface="Calibri"/>
-                          <a:sym typeface="Calibri"/>
-                        </a:rPr>
-                        <a:t>Entregou um mockup consistente com o wireframe e indicou uma hierarquia de contraste dos elementos.</a:t>
-                      </a:r>
-                    </a:p>
-                  </a:txBody>
-                  <a:tcPr marL="68575" marR="68575" marT="91425" marB="91425">
-                    <a:lnL w="12700" cap="flat" cmpd="sng">
-                      <a:solidFill>
-                        <a:srgbClr val="000000"/>
-                      </a:solidFill>
-                      <a:prstDash val="solid"/>
-                      <a:round/>
-                      <a:headEnd type="none" w="med" len="med"/>
-                      <a:tailEnd type="none" w="med" len="med"/>
-                    </a:lnL>
-                    <a:lnR w="12700" cap="flat" cmpd="sng">
-                      <a:solidFill>
-                        <a:srgbClr val="000000"/>
-                      </a:solidFill>
-                      <a:prstDash val="solid"/>
-                      <a:round/>
-                      <a:headEnd type="none" w="med" len="med"/>
-                      <a:tailEnd type="none" w="med" len="med"/>
-                    </a:lnR>
-                    <a:lnT w="12700" cap="flat" cmpd="sng">
-                      <a:solidFill>
-                        <a:srgbClr val="000000"/>
-                      </a:solidFill>
-                      <a:prstDash val="solid"/>
-                      <a:round/>
-                      <a:headEnd type="none" w="med" len="med"/>
-                      <a:tailEnd type="none" w="med" len="med"/>
-                    </a:lnT>
-                    <a:lnB w="12700" cap="flat" cmpd="sng">
-                      <a:solidFill>
-                        <a:srgbClr val="000000"/>
-                      </a:solidFill>
-                      <a:prstDash val="solid"/>
-                      <a:round/>
-                      <a:headEnd type="none" w="med" len="med"/>
-                      <a:tailEnd type="none" w="med" len="med"/>
-                    </a:lnB>
-                  </a:tcPr>
-                </a:tc>
-                <a:tc>
-                  <a:txBody>
-                    <a:bodyPr/>
-                    <a:lstStyle/>
-                    <a:p>
-                      <a:pPr lvl="0" rtl="0">
-                        <a:spcBef>
-                          <a:spcPts val="0"/>
-                        </a:spcBef>
-                        <a:buNone/>
-                      </a:pPr>
-                      <a:r>
-                        <a:rPr lang="en" sz="1050" dirty="0">
-                          <a:latin typeface="Calibri"/>
-                          <a:ea typeface="Calibri"/>
-                          <a:cs typeface="Calibri"/>
-                          <a:sym typeface="Calibri"/>
-                        </a:rPr>
-                        <a:t>Satisfez os critérios em D e as escolhas de tipografia e cor são consistentes com a hierarquia.</a:t>
-                      </a:r>
-                    </a:p>
-                  </a:txBody>
-                  <a:tcPr marL="68575" marR="68575" marT="91425" marB="91425">
-                    <a:lnL w="12700" cap="flat" cmpd="sng">
-                      <a:solidFill>
-                        <a:srgbClr val="000000"/>
-                      </a:solidFill>
-                      <a:prstDash val="solid"/>
-                      <a:round/>
-                      <a:headEnd type="none" w="med" len="med"/>
-                      <a:tailEnd type="none" w="med" len="med"/>
-                    </a:lnL>
-                    <a:lnR w="12700" cap="flat" cmpd="sng">
-                      <a:solidFill>
-                        <a:srgbClr val="000000"/>
-                      </a:solidFill>
-                      <a:prstDash val="solid"/>
-                      <a:round/>
-                      <a:headEnd type="none" w="med" len="med"/>
-                      <a:tailEnd type="none" w="med" len="med"/>
-                    </a:lnR>
-                    <a:lnT w="12700" cap="flat" cmpd="sng">
-                      <a:solidFill>
-                        <a:srgbClr val="000000"/>
-                      </a:solidFill>
-                      <a:prstDash val="solid"/>
-                      <a:round/>
-                      <a:headEnd type="none" w="med" len="med"/>
-                      <a:tailEnd type="none" w="med" len="med"/>
-                    </a:lnT>
-                    <a:lnB w="12700" cap="flat" cmpd="sng">
-                      <a:solidFill>
-                        <a:srgbClr val="000000"/>
-                      </a:solidFill>
-                      <a:prstDash val="solid"/>
-                      <a:round/>
-                      <a:headEnd type="none" w="med" len="med"/>
-                      <a:tailEnd type="none" w="med" len="med"/>
-                    </a:lnB>
-                  </a:tcPr>
-                </a:tc>
-                <a:tc>
-                  <a:txBody>
-                    <a:bodyPr/>
-                    <a:lstStyle/>
-                    <a:p>
-                      <a:pPr lvl="0" rtl="0">
-                        <a:spcBef>
-                          <a:spcPts val="0"/>
-                        </a:spcBef>
-                        <a:buNone/>
-                      </a:pPr>
-                      <a:r>
-                        <a:rPr lang="en" sz="1050" dirty="0">
-                          <a:latin typeface="Calibri"/>
-                          <a:ea typeface="Calibri"/>
-                          <a:cs typeface="Calibri"/>
-                          <a:sym typeface="Calibri"/>
-                        </a:rPr>
-                        <a:t>Satisfez os critérios em C e, para cada cor e fonte, citou referências análogas. Uma referência por membro.</a:t>
-                      </a:r>
-                    </a:p>
-                  </a:txBody>
-                  <a:tcPr marL="68575" marR="68575" marT="91425" marB="91425">
-                    <a:lnL w="12700" cap="flat" cmpd="sng">
-                      <a:solidFill>
-                        <a:srgbClr val="000000"/>
-                      </a:solidFill>
-                      <a:prstDash val="solid"/>
-                      <a:round/>
-                      <a:headEnd type="none" w="med" len="med"/>
-                      <a:tailEnd type="none" w="med" len="med"/>
-                    </a:lnL>
-                    <a:lnR w="12700" cap="flat" cmpd="sng">
-                      <a:solidFill>
-                        <a:srgbClr val="000000"/>
-                      </a:solidFill>
-                      <a:prstDash val="solid"/>
-                      <a:round/>
-                      <a:headEnd type="none" w="med" len="med"/>
-                      <a:tailEnd type="none" w="med" len="med"/>
-                    </a:lnR>
-                    <a:lnT w="12700" cap="flat" cmpd="sng">
-                      <a:solidFill>
-                        <a:srgbClr val="000000"/>
-                      </a:solidFill>
-                      <a:prstDash val="solid"/>
-                      <a:round/>
-                      <a:headEnd type="none" w="med" len="med"/>
-                      <a:tailEnd type="none" w="med" len="med"/>
-                    </a:lnT>
-                    <a:lnB w="12700" cap="flat" cmpd="sng">
-                      <a:solidFill>
-                        <a:srgbClr val="000000"/>
-                      </a:solidFill>
-                      <a:prstDash val="solid"/>
-                      <a:round/>
-                      <a:headEnd type="none" w="med" len="med"/>
-                      <a:tailEnd type="none" w="med" len="med"/>
-                    </a:lnB>
-                  </a:tcPr>
-                </a:tc>
-                <a:tc>
-                  <a:txBody>
-                    <a:bodyPr/>
-                    <a:lstStyle/>
-                    <a:p>
-                      <a:pPr lvl="0" rtl="0">
-                        <a:spcBef>
-                          <a:spcPts val="0"/>
-                        </a:spcBef>
-                        <a:buNone/>
-                      </a:pPr>
-                      <a:r>
-                        <a:rPr lang="en" sz="1050" dirty="0">
-                          <a:latin typeface="Calibri"/>
-                          <a:ea typeface="Calibri"/>
-                          <a:cs typeface="Calibri"/>
-                          <a:sym typeface="Calibri"/>
-                        </a:rPr>
-                        <a:t>Satisfez os critérios em B e, para cada cor e fonte, citou uma referência que a justifique objetivamente.</a:t>
-                      </a:r>
-                    </a:p>
-                  </a:txBody>
-                  <a:tcPr marL="68575" marR="68575" marT="91425" marB="91425">
-                    <a:lnL w="12700" cap="flat" cmpd="sng">
-                      <a:solidFill>
-                        <a:srgbClr val="000000"/>
-                      </a:solidFill>
-                      <a:prstDash val="solid"/>
-                      <a:round/>
-                      <a:headEnd type="none" w="med" len="med"/>
-                      <a:tailEnd type="none" w="med" len="med"/>
-                    </a:lnL>
-                    <a:lnR w="12700" cap="flat" cmpd="sng">
-                      <a:solidFill>
-                        <a:srgbClr val="000000"/>
-                      </a:solidFill>
-                      <a:prstDash val="solid"/>
-                      <a:round/>
-                      <a:headEnd type="none" w="med" len="med"/>
-                      <a:tailEnd type="none" w="med" len="med"/>
-                    </a:lnR>
-                    <a:lnT w="12700" cap="flat" cmpd="sng">
-                      <a:solidFill>
-                        <a:srgbClr val="000000"/>
-                      </a:solidFill>
-                      <a:prstDash val="solid"/>
-                      <a:round/>
-                      <a:headEnd type="none" w="med" len="med"/>
-                      <a:tailEnd type="none" w="med" len="med"/>
-                    </a:lnT>
-                    <a:lnB w="12700" cap="flat" cmpd="sng">
-                      <a:solidFill>
-                        <a:srgbClr val="000000"/>
-                      </a:solidFill>
-                      <a:prstDash val="solid"/>
-                      <a:round/>
-                      <a:headEnd type="none" w="med" len="med"/>
-                      <a:tailEnd type="none" w="med" len="med"/>
-                    </a:lnB>
-                  </a:tcPr>
-                </a:tc>
-                <a:extLst>
-                  <a:ext uri="{0D108BD9-81ED-4DB2-BD59-A6C34878D82A}">
-                    <a16:rowId xmlns:a16="http://schemas.microsoft.com/office/drawing/2014/main" val="10002"/>
-                  </a:ext>
-                </a:extLst>
-              </a:tr>
-            </a:tbl>
-          </a:graphicData>
-        </a:graphic>
-      </p:graphicFrame>
-    </p:spTree>
-    <p:extLst>
-      <p:ext uri="{BB962C8B-B14F-4D97-AF65-F5344CB8AC3E}">
-        <p14:creationId xmlns:p14="http://schemas.microsoft.com/office/powerpoint/2010/main" val="1908866850"/>
+        <p14:creationId xmlns:p14="http://schemas.microsoft.com/office/powerpoint/2010/main" val="1519267962"/>
       </p:ext>
     </p:extLst>
   </p:cSld>

--- a/Projeto 1/Entrega03.pptx
+++ b/Projeto 1/Entrega03.pptx
@@ -5,7 +5,7 @@
     <p:sldMasterId id="2147483672" r:id="rId1"/>
   </p:sldMasterIdLst>
   <p:notesMasterIdLst>
-    <p:notesMasterId r:id="rId9"/>
+    <p:notesMasterId r:id="rId8"/>
   </p:notesMasterIdLst>
   <p:sldIdLst>
     <p:sldId id="256" r:id="rId2"/>
@@ -13,8 +13,7 @@
     <p:sldId id="262" r:id="rId4"/>
     <p:sldId id="261" r:id="rId5"/>
     <p:sldId id="263" r:id="rId6"/>
-    <p:sldId id="272" r:id="rId7"/>
-    <p:sldId id="268" r:id="rId8"/>
+    <p:sldId id="268" r:id="rId7"/>
   </p:sldIdLst>
   <p:sldSz cx="12192000" cy="6858000"/>
   <p:notesSz cx="6858000" cy="9144000"/>
@@ -207,7 +206,7 @@
           <a:p>
             <a:fld id="{57E6D55C-632C-4C26-90C9-29CD744DF66F}" type="datetimeFigureOut">
               <a:rPr lang="pt-BR" smtClean="0"/>
-              <a:t>06/09/2017</a:t>
+              <a:t>13/09/2017</a:t>
             </a:fld>
             <a:endParaRPr lang="pt-BR"/>
           </a:p>
@@ -605,7 +604,7 @@
           <a:p>
             <a:fld id="{DDD670B3-E2EA-4637-9A35-A3F69C814A4D}" type="datetimeFigureOut">
               <a:rPr lang="pt-BR" smtClean="0"/>
-              <a:t>06/09/2017</a:t>
+              <a:t>13/09/2017</a:t>
             </a:fld>
             <a:endParaRPr lang="pt-BR"/>
           </a:p>
@@ -819,7 +818,7 @@
           <a:p>
             <a:fld id="{DDD670B3-E2EA-4637-9A35-A3F69C814A4D}" type="datetimeFigureOut">
               <a:rPr lang="pt-BR" smtClean="0"/>
-              <a:t>06/09/2017</a:t>
+              <a:t>13/09/2017</a:t>
             </a:fld>
             <a:endParaRPr lang="pt-BR"/>
           </a:p>
@@ -1043,7 +1042,7 @@
           <a:p>
             <a:fld id="{DDD670B3-E2EA-4637-9A35-A3F69C814A4D}" type="datetimeFigureOut">
               <a:rPr lang="pt-BR" smtClean="0"/>
-              <a:t>06/09/2017</a:t>
+              <a:t>13/09/2017</a:t>
             </a:fld>
             <a:endParaRPr lang="pt-BR"/>
           </a:p>
@@ -1257,7 +1256,7 @@
           <a:p>
             <a:fld id="{DDD670B3-E2EA-4637-9A35-A3F69C814A4D}" type="datetimeFigureOut">
               <a:rPr lang="pt-BR" smtClean="0"/>
-              <a:t>06/09/2017</a:t>
+              <a:t>13/09/2017</a:t>
             </a:fld>
             <a:endParaRPr lang="pt-BR"/>
           </a:p>
@@ -1547,7 +1546,7 @@
           <a:p>
             <a:fld id="{DDD670B3-E2EA-4637-9A35-A3F69C814A4D}" type="datetimeFigureOut">
               <a:rPr lang="pt-BR" smtClean="0"/>
-              <a:t>06/09/2017</a:t>
+              <a:t>13/09/2017</a:t>
             </a:fld>
             <a:endParaRPr lang="pt-BR"/>
           </a:p>
@@ -1823,7 +1822,7 @@
           <a:p>
             <a:fld id="{DDD670B3-E2EA-4637-9A35-A3F69C814A4D}" type="datetimeFigureOut">
               <a:rPr lang="pt-BR" smtClean="0"/>
-              <a:t>06/09/2017</a:t>
+              <a:t>13/09/2017</a:t>
             </a:fld>
             <a:endParaRPr lang="pt-BR"/>
           </a:p>
@@ -2234,7 +2233,7 @@
           <a:p>
             <a:fld id="{DDD670B3-E2EA-4637-9A35-A3F69C814A4D}" type="datetimeFigureOut">
               <a:rPr lang="pt-BR" smtClean="0"/>
-              <a:t>06/09/2017</a:t>
+              <a:t>13/09/2017</a:t>
             </a:fld>
             <a:endParaRPr lang="pt-BR"/>
           </a:p>
@@ -2396,7 +2395,7 @@
           <a:p>
             <a:fld id="{DDD670B3-E2EA-4637-9A35-A3F69C814A4D}" type="datetimeFigureOut">
               <a:rPr lang="pt-BR" smtClean="0"/>
-              <a:t>06/09/2017</a:t>
+              <a:t>13/09/2017</a:t>
             </a:fld>
             <a:endParaRPr lang="pt-BR"/>
           </a:p>
@@ -2535,7 +2534,7 @@
           <a:p>
             <a:fld id="{DDD670B3-E2EA-4637-9A35-A3F69C814A4D}" type="datetimeFigureOut">
               <a:rPr lang="pt-BR" smtClean="0"/>
-              <a:t>06/09/2017</a:t>
+              <a:t>13/09/2017</a:t>
             </a:fld>
             <a:endParaRPr lang="pt-BR"/>
           </a:p>
@@ -2856,7 +2855,7 @@
           <a:p>
             <a:fld id="{DDD670B3-E2EA-4637-9A35-A3F69C814A4D}" type="datetimeFigureOut">
               <a:rPr lang="pt-BR" smtClean="0"/>
-              <a:t>06/09/2017</a:t>
+              <a:t>13/09/2017</a:t>
             </a:fld>
             <a:endParaRPr lang="pt-BR"/>
           </a:p>
@@ -3157,7 +3156,7 @@
           <a:p>
             <a:fld id="{DDD670B3-E2EA-4637-9A35-A3F69C814A4D}" type="datetimeFigureOut">
               <a:rPr lang="pt-BR" smtClean="0"/>
-              <a:t>06/09/2017</a:t>
+              <a:t>13/09/2017</a:t>
             </a:fld>
             <a:endParaRPr lang="pt-BR"/>
           </a:p>
@@ -3414,7 +3413,7 @@
           <a:p>
             <a:fld id="{DDD670B3-E2EA-4637-9A35-A3F69C814A4D}" type="datetimeFigureOut">
               <a:rPr lang="pt-BR" smtClean="0"/>
-              <a:t>06/09/2017</a:t>
+              <a:t>13/09/2017</a:t>
             </a:fld>
             <a:endParaRPr lang="pt-BR"/>
           </a:p>
@@ -3999,8 +3998,8 @@
         </p:nvSpPr>
         <p:spPr>
           <a:xfrm>
-            <a:off x="266700" y="-104775"/>
-            <a:ext cx="10515600" cy="1325563"/>
+            <a:off x="385010" y="-104775"/>
+            <a:ext cx="10397289" cy="1325563"/>
           </a:xfrm>
         </p:spPr>
         <p:txBody>
@@ -4015,17 +4014,46 @@
             </a:r>
             <a:r>
               <a:rPr lang="pt-BR" sz="2800" dirty="0"/>
-              <a:t> da página de projeto</a:t>
+              <a:t> da página principal</a:t>
             </a:r>
           </a:p>
         </p:txBody>
       </p:sp>
       <p:pic>
         <p:nvPicPr>
-          <p:cNvPr id="10" name="Imagem 9">
+          <p:cNvPr id="4" name="Imagem 3">
             <a:extLst>
               <a:ext uri="{FF2B5EF4-FFF2-40B4-BE49-F238E27FC236}">
-                <a16:creationId xmlns:a16="http://schemas.microsoft.com/office/drawing/2014/main" id="{B90CCBCD-64D1-47B2-B9AF-A7495F7DCCD7}"/>
+                <a16:creationId xmlns:a16="http://schemas.microsoft.com/office/drawing/2014/main" id="{02FB0007-6F5F-4CCB-97F6-1C04B23A10B7}"/>
+              </a:ext>
+            </a:extLst>
+          </p:cNvPr>
+          <p:cNvPicPr>
+            <a:picLocks noChangeAspect="1"/>
+          </p:cNvPicPr>
+          <p:nvPr/>
+        </p:nvPicPr>
+        <p:blipFill rotWithShape="1">
+          <a:blip r:embed="rId2"/>
+          <a:srcRect t="-1" b="-6699"/>
+          <a:stretch/>
+        </p:blipFill>
+        <p:spPr>
+          <a:xfrm>
+            <a:off x="998880" y="835107"/>
+            <a:ext cx="3792127" cy="6215399"/>
+          </a:xfrm>
+          <a:prstGeom prst="rect">
+            <a:avLst/>
+          </a:prstGeom>
+        </p:spPr>
+      </p:pic>
+      <p:pic>
+        <p:nvPicPr>
+          <p:cNvPr id="5" name="Imagem 4">
+            <a:extLst>
+              <a:ext uri="{FF2B5EF4-FFF2-40B4-BE49-F238E27FC236}">
+                <a16:creationId xmlns:a16="http://schemas.microsoft.com/office/drawing/2014/main" id="{FA4BDA8F-629C-4090-B306-8655B9F172E3}"/>
               </a:ext>
             </a:extLst>
           </p:cNvPr>
@@ -4035,21 +4063,15 @@
           <p:nvPr/>
         </p:nvPicPr>
         <p:blipFill>
-          <a:blip r:embed="rId2">
-            <a:extLst>
-              <a:ext uri="{28A0092B-C50C-407E-A947-70E740481C1C}">
-                <a14:useLocalDpi xmlns:a14="http://schemas.microsoft.com/office/drawing/2010/main" val="0"/>
-              </a:ext>
-            </a:extLst>
-          </a:blip>
+          <a:blip r:embed="rId3"/>
           <a:stretch>
             <a:fillRect/>
           </a:stretch>
         </p:blipFill>
         <p:spPr>
           <a:xfrm>
-            <a:off x="0" y="4762"/>
-            <a:ext cx="12192000" cy="6848475"/>
+            <a:off x="6396086" y="835107"/>
+            <a:ext cx="3494100" cy="5783359"/>
           </a:xfrm>
           <a:prstGeom prst="rect">
             <a:avLst/>
@@ -4114,17 +4136,17 @@
             </a:r>
             <a:r>
               <a:rPr lang="pt-BR" sz="2800" dirty="0"/>
-              <a:t> da página principal</a:t>
+              <a:t> da página projetos</a:t>
             </a:r>
           </a:p>
         </p:txBody>
       </p:sp>
       <p:pic>
         <p:nvPicPr>
-          <p:cNvPr id="6" name="Imagem 5">
+          <p:cNvPr id="4" name="Imagem 3">
             <a:extLst>
               <a:ext uri="{FF2B5EF4-FFF2-40B4-BE49-F238E27FC236}">
-                <a16:creationId xmlns:a16="http://schemas.microsoft.com/office/drawing/2014/main" id="{6C390CEE-7027-4BC1-8D18-7DCACCEEA173}"/>
+                <a16:creationId xmlns:a16="http://schemas.microsoft.com/office/drawing/2014/main" id="{3081DF11-AEF9-4014-AAEE-41A7FD8C3C49}"/>
               </a:ext>
             </a:extLst>
           </p:cNvPr>
@@ -4134,21 +4156,15 @@
           <p:nvPr/>
         </p:nvPicPr>
         <p:blipFill>
-          <a:blip r:embed="rId2">
-            <a:extLst>
-              <a:ext uri="{28A0092B-C50C-407E-A947-70E740481C1C}">
-                <a14:useLocalDpi xmlns:a14="http://schemas.microsoft.com/office/drawing/2010/main" val="0"/>
-              </a:ext>
-            </a:extLst>
-          </a:blip>
+          <a:blip r:embed="rId2"/>
           <a:stretch>
             <a:fillRect/>
           </a:stretch>
         </p:blipFill>
         <p:spPr>
           <a:xfrm>
-            <a:off x="0" y="4762"/>
-            <a:ext cx="12192000" cy="6848475"/>
+            <a:off x="1810753" y="773649"/>
+            <a:ext cx="7748335" cy="5749033"/>
           </a:xfrm>
           <a:prstGeom prst="rect">
             <a:avLst/>
@@ -4220,10 +4236,10 @@
       </p:sp>
       <p:pic>
         <p:nvPicPr>
-          <p:cNvPr id="6" name="Imagem 5">
+          <p:cNvPr id="4" name="Imagem 3">
             <a:extLst>
               <a:ext uri="{FF2B5EF4-FFF2-40B4-BE49-F238E27FC236}">
-                <a16:creationId xmlns:a16="http://schemas.microsoft.com/office/drawing/2014/main" id="{E0B18565-B2B1-4DB2-A220-D66775E13024}"/>
+                <a16:creationId xmlns:a16="http://schemas.microsoft.com/office/drawing/2014/main" id="{9A8CC2D9-21EB-4BC5-9F57-97EE44D36AA3}"/>
               </a:ext>
             </a:extLst>
           </p:cNvPr>
@@ -4233,21 +4249,15 @@
           <p:nvPr/>
         </p:nvPicPr>
         <p:blipFill>
-          <a:blip r:embed="rId2">
-            <a:extLst>
-              <a:ext uri="{28A0092B-C50C-407E-A947-70E740481C1C}">
-                <a14:useLocalDpi xmlns:a14="http://schemas.microsoft.com/office/drawing/2010/main" val="0"/>
-              </a:ext>
-            </a:extLst>
-          </a:blip>
+          <a:blip r:embed="rId2"/>
           <a:stretch>
             <a:fillRect/>
           </a:stretch>
         </p:blipFill>
         <p:spPr>
           <a:xfrm>
-            <a:off x="5177558" y="225372"/>
-            <a:ext cx="5512437" cy="6316848"/>
+            <a:off x="5211928" y="264091"/>
+            <a:ext cx="6289872" cy="6175709"/>
           </a:xfrm>
           <a:prstGeom prst="rect">
             <a:avLst/>
@@ -4284,110 +4294,6 @@
           <a:chExt cx="0" cy="0"/>
         </a:xfrm>
       </p:grpSpPr>
-      <p:pic>
-        <p:nvPicPr>
-          <p:cNvPr id="3" name="Imagem 2">
-            <a:extLst>
-              <a:ext uri="{FF2B5EF4-FFF2-40B4-BE49-F238E27FC236}">
-                <a16:creationId xmlns:a16="http://schemas.microsoft.com/office/drawing/2014/main" id="{5F345B91-00F6-4663-8337-6C70D78E0D08}"/>
-              </a:ext>
-            </a:extLst>
-          </p:cNvPr>
-          <p:cNvPicPr>
-            <a:picLocks noChangeAspect="1"/>
-          </p:cNvPicPr>
-          <p:nvPr/>
-        </p:nvPicPr>
-        <p:blipFill>
-          <a:blip r:embed="rId2">
-            <a:extLst>
-              <a:ext uri="{28A0092B-C50C-407E-A947-70E740481C1C}">
-                <a14:useLocalDpi xmlns:a14="http://schemas.microsoft.com/office/drawing/2010/main" val="0"/>
-              </a:ext>
-            </a:extLst>
-          </a:blip>
-          <a:stretch>
-            <a:fillRect/>
-          </a:stretch>
-        </p:blipFill>
-        <p:spPr>
-          <a:xfrm>
-            <a:off x="4431397" y="367645"/>
-            <a:ext cx="6238189" cy="5736210"/>
-          </a:xfrm>
-          <a:prstGeom prst="rect">
-            <a:avLst/>
-          </a:prstGeom>
-        </p:spPr>
-      </p:pic>
-      <p:sp>
-        <p:nvSpPr>
-          <p:cNvPr id="4" name="Retângulo 3">
-            <a:extLst>
-              <a:ext uri="{FF2B5EF4-FFF2-40B4-BE49-F238E27FC236}">
-                <a16:creationId xmlns:a16="http://schemas.microsoft.com/office/drawing/2014/main" id="{4E5EDB30-CEED-4238-908A-1A5C128DFB42}"/>
-              </a:ext>
-            </a:extLst>
-          </p:cNvPr>
-          <p:cNvSpPr/>
-          <p:nvPr/>
-        </p:nvSpPr>
-        <p:spPr>
-          <a:xfrm>
-            <a:off x="206322" y="435147"/>
-            <a:ext cx="3029484" cy="369332"/>
-          </a:xfrm>
-          <a:prstGeom prst="rect">
-            <a:avLst/>
-          </a:prstGeom>
-        </p:spPr>
-        <p:txBody>
-          <a:bodyPr wrap="none">
-            <a:spAutoFit/>
-          </a:bodyPr>
-          <a:lstStyle/>
-          <a:p>
-            <a:r>
-              <a:rPr lang="pt-BR" dirty="0" err="1"/>
-              <a:t>Mockup</a:t>
-            </a:r>
-            <a:r>
-              <a:rPr lang="pt-BR" dirty="0"/>
-              <a:t> da página de projetos</a:t>
-            </a:r>
-          </a:p>
-        </p:txBody>
-      </p:sp>
-    </p:spTree>
-    <p:extLst>
-      <p:ext uri="{BB962C8B-B14F-4D97-AF65-F5344CB8AC3E}">
-        <p14:creationId xmlns:p14="http://schemas.microsoft.com/office/powerpoint/2010/main" val="3455843631"/>
-      </p:ext>
-    </p:extLst>
-  </p:cSld>
-  <p:clrMapOvr>
-    <a:masterClrMapping/>
-  </p:clrMapOvr>
-</p:sld>
-</file>
-
-<file path=ppt/slides/slide7.xml><?xml version="1.0" encoding="utf-8"?>
-<p:sld xmlns:a="http://schemas.openxmlformats.org/drawingml/2006/main" xmlns:r="http://schemas.openxmlformats.org/officeDocument/2006/relationships" xmlns:p="http://schemas.openxmlformats.org/presentationml/2006/main">
-  <p:cSld>
-    <p:spTree>
-      <p:nvGrpSpPr>
-        <p:cNvPr id="1" name=""/>
-        <p:cNvGrpSpPr/>
-        <p:nvPr/>
-      </p:nvGrpSpPr>
-      <p:grpSpPr>
-        <a:xfrm>
-          <a:off x="0" y="0"/>
-          <a:ext cx="0" cy="0"/>
-          <a:chOff x="0" y="0"/>
-          <a:chExt cx="0" cy="0"/>
-        </a:xfrm>
-      </p:grpSpPr>
       <p:sp>
         <p:nvSpPr>
           <p:cNvPr id="2" name="Título 1"/>
@@ -4469,9 +4375,27 @@
           </a:p>
           <a:p>
             <a:r>
+              <a:rPr lang="pt-BR" dirty="0">
+                <a:hlinkClick r:id="rId2"/>
+              </a:rPr>
+              <a:t>http://www.webmaster.pt/templates-html5-gratis-2-20574.html</a:t>
+            </a:r>
+            <a:endParaRPr lang="pt-BR" dirty="0"/>
+          </a:p>
+          <a:p>
+            <a:r>
               <a:rPr lang="pt-BR" dirty="0"/>
-              <a:t>http://www.webmaster.pt/templates-html5-gratis-2-20574.html</a:t>
-            </a:r>
+              <a:t>https://www.adobe.com/br/creativecloud.html</a:t>
+            </a:r>
+          </a:p>
+          <a:p>
+            <a:r>
+              <a:rPr lang="pt-BR" dirty="0"/>
+              <a:t>https://www.tuesport.com/br</a:t>
+            </a:r>
+          </a:p>
+          <a:p>
+            <a:endParaRPr lang="pt-BR" dirty="0"/>
           </a:p>
         </p:txBody>
       </p:sp>

--- a/Projeto 1/Entrega03.pptx
+++ b/Projeto 1/Entrega03.pptx
@@ -5,15 +5,14 @@
     <p:sldMasterId id="2147483672" r:id="rId1"/>
   </p:sldMasterIdLst>
   <p:notesMasterIdLst>
-    <p:notesMasterId r:id="rId8"/>
+    <p:notesMasterId r:id="rId7"/>
   </p:notesMasterIdLst>
   <p:sldIdLst>
     <p:sldId id="256" r:id="rId2"/>
     <p:sldId id="257" r:id="rId3"/>
     <p:sldId id="262" r:id="rId4"/>
-    <p:sldId id="261" r:id="rId5"/>
-    <p:sldId id="263" r:id="rId6"/>
-    <p:sldId id="268" r:id="rId7"/>
+    <p:sldId id="263" r:id="rId5"/>
+    <p:sldId id="268" r:id="rId6"/>
   </p:sldIdLst>
   <p:sldSz cx="12192000" cy="6858000"/>
   <p:notesSz cx="6858000" cy="9144000"/>
@@ -4136,99 +4135,6 @@
             </a:r>
             <a:r>
               <a:rPr lang="pt-BR" sz="2800" dirty="0"/>
-              <a:t> da página projetos</a:t>
-            </a:r>
-          </a:p>
-        </p:txBody>
-      </p:sp>
-      <p:pic>
-        <p:nvPicPr>
-          <p:cNvPr id="4" name="Imagem 3">
-            <a:extLst>
-              <a:ext uri="{FF2B5EF4-FFF2-40B4-BE49-F238E27FC236}">
-                <a16:creationId xmlns:a16="http://schemas.microsoft.com/office/drawing/2014/main" id="{3081DF11-AEF9-4014-AAEE-41A7FD8C3C49}"/>
-              </a:ext>
-            </a:extLst>
-          </p:cNvPr>
-          <p:cNvPicPr>
-            <a:picLocks noChangeAspect="1"/>
-          </p:cNvPicPr>
-          <p:nvPr/>
-        </p:nvPicPr>
-        <p:blipFill>
-          <a:blip r:embed="rId2"/>
-          <a:stretch>
-            <a:fillRect/>
-          </a:stretch>
-        </p:blipFill>
-        <p:spPr>
-          <a:xfrm>
-            <a:off x="1810753" y="773649"/>
-            <a:ext cx="7748335" cy="5749033"/>
-          </a:xfrm>
-          <a:prstGeom prst="rect">
-            <a:avLst/>
-          </a:prstGeom>
-        </p:spPr>
-      </p:pic>
-    </p:spTree>
-    <p:extLst>
-      <p:ext uri="{BB962C8B-B14F-4D97-AF65-F5344CB8AC3E}">
-        <p14:creationId xmlns:p14="http://schemas.microsoft.com/office/powerpoint/2010/main" val="239281794"/>
-      </p:ext>
-    </p:extLst>
-  </p:cSld>
-  <p:clrMapOvr>
-    <a:masterClrMapping/>
-  </p:clrMapOvr>
-</p:sld>
-</file>
-
-<file path=ppt/slides/slide5.xml><?xml version="1.0" encoding="utf-8"?>
-<p:sld xmlns:a="http://schemas.openxmlformats.org/drawingml/2006/main" xmlns:r="http://schemas.openxmlformats.org/officeDocument/2006/relationships" xmlns:p="http://schemas.openxmlformats.org/presentationml/2006/main">
-  <p:cSld>
-    <p:spTree>
-      <p:nvGrpSpPr>
-        <p:cNvPr id="1" name=""/>
-        <p:cNvGrpSpPr/>
-        <p:nvPr/>
-      </p:nvGrpSpPr>
-      <p:grpSpPr>
-        <a:xfrm>
-          <a:off x="0" y="0"/>
-          <a:ext cx="0" cy="0"/>
-          <a:chOff x="0" y="0"/>
-          <a:chExt cx="0" cy="0"/>
-        </a:xfrm>
-      </p:grpSpPr>
-      <p:sp>
-        <p:nvSpPr>
-          <p:cNvPr id="2" name="Título 1"/>
-          <p:cNvSpPr>
-            <a:spLocks noGrp="1"/>
-          </p:cNvSpPr>
-          <p:nvPr>
-            <p:ph type="title"/>
-          </p:nvPr>
-        </p:nvSpPr>
-        <p:spPr>
-          <a:xfrm>
-            <a:off x="266700" y="-104775"/>
-            <a:ext cx="10515600" cy="1325563"/>
-          </a:xfrm>
-        </p:spPr>
-        <p:txBody>
-          <a:bodyPr>
-            <a:normAutofit/>
-          </a:bodyPr>
-          <a:lstStyle/>
-          <a:p>
-            <a:r>
-              <a:rPr lang="pt-BR" sz="2800" dirty="0" err="1"/>
-              <a:t>Mockup</a:t>
-            </a:r>
-            <a:r>
-              <a:rPr lang="pt-BR" sz="2800" dirty="0"/>
               <a:t> da página Sobre Mim</a:t>
             </a:r>
           </a:p>
@@ -4277,7 +4183,7 @@
 </p:sld>
 </file>
 
-<file path=ppt/slides/slide6.xml><?xml version="1.0" encoding="utf-8"?>
+<file path=ppt/slides/slide5.xml><?xml version="1.0" encoding="utf-8"?>
 <p:sld xmlns:a="http://schemas.openxmlformats.org/drawingml/2006/main" xmlns:r="http://schemas.openxmlformats.org/officeDocument/2006/relationships" xmlns:p="http://schemas.openxmlformats.org/presentationml/2006/main">
   <p:cSld>
     <p:spTree>

--- a/Projeto 1/Entrega03.pptx
+++ b/Projeto 1/Entrega03.pptx
@@ -205,7 +205,7 @@
           <a:p>
             <a:fld id="{57E6D55C-632C-4C26-90C9-29CD744DF66F}" type="datetimeFigureOut">
               <a:rPr lang="pt-BR" smtClean="0"/>
-              <a:t>13/09/2017</a:t>
+              <a:t>06/10/2017</a:t>
             </a:fld>
             <a:endParaRPr lang="pt-BR"/>
           </a:p>
@@ -603,7 +603,7 @@
           <a:p>
             <a:fld id="{DDD670B3-E2EA-4637-9A35-A3F69C814A4D}" type="datetimeFigureOut">
               <a:rPr lang="pt-BR" smtClean="0"/>
-              <a:t>13/09/2017</a:t>
+              <a:t>06/10/2017</a:t>
             </a:fld>
             <a:endParaRPr lang="pt-BR"/>
           </a:p>
@@ -817,7 +817,7 @@
           <a:p>
             <a:fld id="{DDD670B3-E2EA-4637-9A35-A3F69C814A4D}" type="datetimeFigureOut">
               <a:rPr lang="pt-BR" smtClean="0"/>
-              <a:t>13/09/2017</a:t>
+              <a:t>06/10/2017</a:t>
             </a:fld>
             <a:endParaRPr lang="pt-BR"/>
           </a:p>
@@ -1041,7 +1041,7 @@
           <a:p>
             <a:fld id="{DDD670B3-E2EA-4637-9A35-A3F69C814A4D}" type="datetimeFigureOut">
               <a:rPr lang="pt-BR" smtClean="0"/>
-              <a:t>13/09/2017</a:t>
+              <a:t>06/10/2017</a:t>
             </a:fld>
             <a:endParaRPr lang="pt-BR"/>
           </a:p>
@@ -1255,7 +1255,7 @@
           <a:p>
             <a:fld id="{DDD670B3-E2EA-4637-9A35-A3F69C814A4D}" type="datetimeFigureOut">
               <a:rPr lang="pt-BR" smtClean="0"/>
-              <a:t>13/09/2017</a:t>
+              <a:t>06/10/2017</a:t>
             </a:fld>
             <a:endParaRPr lang="pt-BR"/>
           </a:p>
@@ -1545,7 +1545,7 @@
           <a:p>
             <a:fld id="{DDD670B3-E2EA-4637-9A35-A3F69C814A4D}" type="datetimeFigureOut">
               <a:rPr lang="pt-BR" smtClean="0"/>
-              <a:t>13/09/2017</a:t>
+              <a:t>06/10/2017</a:t>
             </a:fld>
             <a:endParaRPr lang="pt-BR"/>
           </a:p>
@@ -1821,7 +1821,7 @@
           <a:p>
             <a:fld id="{DDD670B3-E2EA-4637-9A35-A3F69C814A4D}" type="datetimeFigureOut">
               <a:rPr lang="pt-BR" smtClean="0"/>
-              <a:t>13/09/2017</a:t>
+              <a:t>06/10/2017</a:t>
             </a:fld>
             <a:endParaRPr lang="pt-BR"/>
           </a:p>
@@ -2232,7 +2232,7 @@
           <a:p>
             <a:fld id="{DDD670B3-E2EA-4637-9A35-A3F69C814A4D}" type="datetimeFigureOut">
               <a:rPr lang="pt-BR" smtClean="0"/>
-              <a:t>13/09/2017</a:t>
+              <a:t>06/10/2017</a:t>
             </a:fld>
             <a:endParaRPr lang="pt-BR"/>
           </a:p>
@@ -2394,7 +2394,7 @@
           <a:p>
             <a:fld id="{DDD670B3-E2EA-4637-9A35-A3F69C814A4D}" type="datetimeFigureOut">
               <a:rPr lang="pt-BR" smtClean="0"/>
-              <a:t>13/09/2017</a:t>
+              <a:t>06/10/2017</a:t>
             </a:fld>
             <a:endParaRPr lang="pt-BR"/>
           </a:p>
@@ -2533,7 +2533,7 @@
           <a:p>
             <a:fld id="{DDD670B3-E2EA-4637-9A35-A3F69C814A4D}" type="datetimeFigureOut">
               <a:rPr lang="pt-BR" smtClean="0"/>
-              <a:t>13/09/2017</a:t>
+              <a:t>06/10/2017</a:t>
             </a:fld>
             <a:endParaRPr lang="pt-BR"/>
           </a:p>
@@ -2854,7 +2854,7 @@
           <a:p>
             <a:fld id="{DDD670B3-E2EA-4637-9A35-A3F69C814A4D}" type="datetimeFigureOut">
               <a:rPr lang="pt-BR" smtClean="0"/>
-              <a:t>13/09/2017</a:t>
+              <a:t>06/10/2017</a:t>
             </a:fld>
             <a:endParaRPr lang="pt-BR"/>
           </a:p>
@@ -3155,7 +3155,7 @@
           <a:p>
             <a:fld id="{DDD670B3-E2EA-4637-9A35-A3F69C814A4D}" type="datetimeFigureOut">
               <a:rPr lang="pt-BR" smtClean="0"/>
-              <a:t>13/09/2017</a:t>
+              <a:t>06/10/2017</a:t>
             </a:fld>
             <a:endParaRPr lang="pt-BR"/>
           </a:p>
@@ -3412,7 +3412,7 @@
           <a:p>
             <a:fld id="{DDD670B3-E2EA-4637-9A35-A3F69C814A4D}" type="datetimeFigureOut">
               <a:rPr lang="pt-BR" smtClean="0"/>
-              <a:t>13/09/2017</a:t>
+              <a:t>06/10/2017</a:t>
             </a:fld>
             <a:endParaRPr lang="pt-BR"/>
           </a:p>
@@ -4020,39 +4020,10 @@
       </p:sp>
       <p:pic>
         <p:nvPicPr>
-          <p:cNvPr id="4" name="Imagem 3">
+          <p:cNvPr id="6" name="Imagem 5">
             <a:extLst>
               <a:ext uri="{FF2B5EF4-FFF2-40B4-BE49-F238E27FC236}">
-                <a16:creationId xmlns:a16="http://schemas.microsoft.com/office/drawing/2014/main" id="{02FB0007-6F5F-4CCB-97F6-1C04B23A10B7}"/>
-              </a:ext>
-            </a:extLst>
-          </p:cNvPr>
-          <p:cNvPicPr>
-            <a:picLocks noChangeAspect="1"/>
-          </p:cNvPicPr>
-          <p:nvPr/>
-        </p:nvPicPr>
-        <p:blipFill rotWithShape="1">
-          <a:blip r:embed="rId2"/>
-          <a:srcRect t="-1" b="-6699"/>
-          <a:stretch/>
-        </p:blipFill>
-        <p:spPr>
-          <a:xfrm>
-            <a:off x="998880" y="835107"/>
-            <a:ext cx="3792127" cy="6215399"/>
-          </a:xfrm>
-          <a:prstGeom prst="rect">
-            <a:avLst/>
-          </a:prstGeom>
-        </p:spPr>
-      </p:pic>
-      <p:pic>
-        <p:nvPicPr>
-          <p:cNvPr id="5" name="Imagem 4">
-            <a:extLst>
-              <a:ext uri="{FF2B5EF4-FFF2-40B4-BE49-F238E27FC236}">
-                <a16:creationId xmlns:a16="http://schemas.microsoft.com/office/drawing/2014/main" id="{FA4BDA8F-629C-4090-B306-8655B9F172E3}"/>
+                <a16:creationId xmlns:a16="http://schemas.microsoft.com/office/drawing/2014/main" id="{589408DF-AC29-47DF-B7C4-F7C51DCC7BF7}"/>
               </a:ext>
             </a:extLst>
           </p:cNvPr>
@@ -4062,15 +4033,21 @@
           <p:nvPr/>
         </p:nvPicPr>
         <p:blipFill>
-          <a:blip r:embed="rId3"/>
+          <a:blip r:embed="rId2">
+            <a:extLst>
+              <a:ext uri="{28A0092B-C50C-407E-A947-70E740481C1C}">
+                <a14:useLocalDpi xmlns:a14="http://schemas.microsoft.com/office/drawing/2010/main" val="0"/>
+              </a:ext>
+            </a:extLst>
+          </a:blip>
           <a:stretch>
             <a:fillRect/>
           </a:stretch>
         </p:blipFill>
         <p:spPr>
           <a:xfrm>
-            <a:off x="6396086" y="835107"/>
-            <a:ext cx="3494100" cy="5783359"/>
+            <a:off x="4628350" y="340407"/>
+            <a:ext cx="3980812" cy="6152165"/>
           </a:xfrm>
           <a:prstGeom prst="rect">
             <a:avLst/>
@@ -4142,10 +4119,10 @@
       </p:sp>
       <p:pic>
         <p:nvPicPr>
-          <p:cNvPr id="4" name="Imagem 3">
+          <p:cNvPr id="5" name="Imagem 4">
             <a:extLst>
               <a:ext uri="{FF2B5EF4-FFF2-40B4-BE49-F238E27FC236}">
-                <a16:creationId xmlns:a16="http://schemas.microsoft.com/office/drawing/2014/main" id="{9A8CC2D9-21EB-4BC5-9F57-97EE44D36AA3}"/>
+                <a16:creationId xmlns:a16="http://schemas.microsoft.com/office/drawing/2014/main" id="{45AF4FEC-642A-4FFC-92B5-55B60D7B7B5C}"/>
               </a:ext>
             </a:extLst>
           </p:cNvPr>
@@ -4155,15 +4132,21 @@
           <p:nvPr/>
         </p:nvPicPr>
         <p:blipFill>
-          <a:blip r:embed="rId2"/>
+          <a:blip r:embed="rId2">
+            <a:extLst>
+              <a:ext uri="{28A0092B-C50C-407E-A947-70E740481C1C}">
+                <a14:useLocalDpi xmlns:a14="http://schemas.microsoft.com/office/drawing/2010/main" val="0"/>
+              </a:ext>
+            </a:extLst>
+          </a:blip>
           <a:stretch>
             <a:fillRect/>
           </a:stretch>
         </p:blipFill>
         <p:spPr>
           <a:xfrm>
-            <a:off x="5211928" y="264091"/>
-            <a:ext cx="6289872" cy="6175709"/>
+            <a:off x="4928507" y="266996"/>
+            <a:ext cx="3823607" cy="6297705"/>
           </a:xfrm>
           <a:prstGeom prst="rect">
             <a:avLst/>
